--- a/09-tuning_ohai.pptx
+++ b/09-tuning_ohai.pptx
@@ -246,6 +246,10 @@
             <a:pPr>
               <a:defRPr/>
             </a:pPr>
+            <a:r>
+              <a:rPr lang="en-US" smtClean="0"/>
+              <a:t>Extending Cookbooks</a:t>
+            </a:r>
             <a:endParaRPr lang="en-US"/>
           </a:p>
         </p:txBody>
@@ -290,13 +294,10 @@
             <a:pPr>
               <a:defRPr/>
             </a:pPr>
-            <a:fld id="{04CB1577-BF96-2D40-B4CA-2BF6DA80CBA7}" type="datetime1">
-              <a:rPr lang="en-CA"/>
-              <a:pPr>
-                <a:defRPr/>
-              </a:pPr>
-              <a:t>2016-10-23</a:t>
-            </a:fld>
+            <a:r>
+              <a:rPr lang="en-US" smtClean="0"/>
+              <a:t>Chef Software, Inc.</a:t>
+            </a:r>
             <a:endParaRPr lang="en-US" dirty="0"/>
           </a:p>
         </p:txBody>
@@ -407,7 +408,7 @@
     </p:extLst>
   </p:cSld>
   <p:clrMap bg1="lt1" tx1="dk1" bg2="lt2" tx2="dk2" accent1="accent1" accent2="accent2" accent3="accent3" accent4="accent4" accent5="accent5" accent6="accent6" hlink="hlink" folHlink="folHlink"/>
-  <p:hf dt="0"/>
+  <p:hf sldNum="0" ftr="0"/>
 </p:handoutMaster>
 </file>
 
@@ -445,7 +446,7 @@
         </p:nvSpPr>
         <p:spPr>
           <a:xfrm>
-            <a:off x="3884613" y="0"/>
+            <a:off x="3884613" y="119746"/>
             <a:ext cx="2971800" cy="457200"/>
           </a:xfrm>
           <a:prstGeom prst="rect">
@@ -473,13 +474,10 @@
             <a:pPr>
               <a:defRPr/>
             </a:pPr>
-            <a:fld id="{72FDBE47-C34F-CF4A-9709-1411AD5B3286}" type="datetime1">
-              <a:rPr lang="en-CA"/>
-              <a:pPr>
-                <a:defRPr/>
-              </a:pPr>
-              <a:t>2016-10-23</a:t>
-            </a:fld>
+            <a:r>
+              <a:rPr lang="en-US" smtClean="0"/>
+              <a:t>Chef Software, Inc.</a:t>
+            </a:r>
             <a:endParaRPr lang="en-US" dirty="0"/>
           </a:p>
         </p:txBody>
@@ -530,8 +528,8 @@
         </p:nvSpPr>
         <p:spPr>
           <a:xfrm>
-            <a:off x="685800" y="4343400"/>
-            <a:ext cx="5486400" cy="4114800"/>
+            <a:off x="381000" y="4343399"/>
+            <a:ext cx="6096000" cy="4474029"/>
           </a:xfrm>
           <a:prstGeom prst="rect">
             <a:avLst/>
@@ -582,68 +580,17 @@
       </p:sp>
       <p:sp>
         <p:nvSpPr>
-          <p:cNvPr id="7" name="Slide Number Placeholder 6"/>
-          <p:cNvSpPr>
-            <a:spLocks noGrp="1"/>
-          </p:cNvSpPr>
-          <p:nvPr>
-            <p:ph type="sldNum" sz="quarter" idx="5"/>
+          <p:cNvPr id="8" name="Header Placeholder 1"/>
+          <p:cNvSpPr>
+            <a:spLocks noGrp="1"/>
+          </p:cNvSpPr>
+          <p:nvPr>
+            <p:ph type="hdr" sz="quarter"/>
           </p:nvPr>
         </p:nvSpPr>
         <p:spPr>
           <a:xfrm>
-            <a:off x="6172200" y="8685213"/>
-            <a:ext cx="684213" cy="457200"/>
-          </a:xfrm>
-          <a:prstGeom prst="rect">
-            <a:avLst/>
-          </a:prstGeom>
-        </p:spPr>
-        <p:txBody>
-          <a:bodyPr vert="horz" lIns="91440" tIns="45720" rIns="91440" bIns="45720" rtlCol="0" anchor="b"/>
-          <a:lstStyle>
-            <a:lvl1pPr algn="r" defTabSz="1219120" fontAlgn="auto">
-              <a:spcBef>
-                <a:spcPts val="0"/>
-              </a:spcBef>
-              <a:spcAft>
-                <a:spcPts val="0"/>
-              </a:spcAft>
-              <a:defRPr sz="1200" smtClean="0">
-                <a:latin typeface="Arial" panose="020B0604020202020204" pitchFamily="34" charset="0"/>
-                <a:ea typeface="+mn-ea"/>
-                <a:cs typeface="Arial" panose="020B0604020202020204" pitchFamily="34" charset="0"/>
-              </a:defRPr>
-            </a:lvl1pPr>
-          </a:lstStyle>
-          <a:p>
-            <a:pPr>
-              <a:defRPr/>
-            </a:pPr>
-            <a:fld id="{DC3734AA-3150-D947-AC52-2F5DF48BFCD5}" type="slidenum">
-              <a:rPr lang="en-US"/>
-              <a:pPr>
-                <a:defRPr/>
-              </a:pPr>
-              <a:t>‹#›</a:t>
-            </a:fld>
-            <a:endParaRPr lang="en-US" dirty="0"/>
-          </a:p>
-        </p:txBody>
-      </p:sp>
-      <p:sp>
-        <p:nvSpPr>
-          <p:cNvPr id="8" name="Header Placeholder 1"/>
-          <p:cNvSpPr>
-            <a:spLocks noGrp="1"/>
-          </p:cNvSpPr>
-          <p:nvPr>
-            <p:ph type="hdr" sz="quarter"/>
-          </p:nvPr>
-        </p:nvSpPr>
-        <p:spPr>
-          <a:xfrm>
-            <a:off x="0" y="0"/>
+            <a:off x="0" y="119746"/>
             <a:ext cx="2971800" cy="457200"/>
           </a:xfrm>
           <a:prstGeom prst="rect">
@@ -671,53 +618,10 @@
             <a:pPr>
               <a:defRPr/>
             </a:pPr>
-            <a:endParaRPr lang="en-US"/>
-          </a:p>
-        </p:txBody>
-      </p:sp>
-      <p:sp>
-        <p:nvSpPr>
-          <p:cNvPr id="9" name="Footer Placeholder 3"/>
-          <p:cNvSpPr>
-            <a:spLocks noGrp="1"/>
-          </p:cNvSpPr>
-          <p:nvPr>
-            <p:ph type="ftr" sz="quarter" idx="4"/>
-          </p:nvPr>
-        </p:nvSpPr>
-        <p:spPr>
-          <a:xfrm>
-            <a:off x="0" y="8685213"/>
-            <a:ext cx="6248400" cy="457200"/>
-          </a:xfrm>
-          <a:prstGeom prst="rect">
-            <a:avLst/>
-          </a:prstGeom>
-        </p:spPr>
-        <p:txBody>
-          <a:bodyPr vert="horz" lIns="91440" tIns="45720" rIns="91440" bIns="45720" rtlCol="0" anchor="b"/>
-          <a:lstStyle>
-            <a:lvl1pPr algn="l" defTabSz="1219120" fontAlgn="auto">
-              <a:spcBef>
-                <a:spcPts val="0"/>
-              </a:spcBef>
-              <a:spcAft>
-                <a:spcPts val="0"/>
-              </a:spcAft>
-              <a:defRPr sz="900" dirty="0" smtClean="0">
-                <a:solidFill>
-                  <a:srgbClr val="000000"/>
-                </a:solidFill>
-                <a:latin typeface="Arial" panose="020B0604020202020204" pitchFamily="34" charset="0"/>
-                <a:ea typeface="+mn-ea"/>
-                <a:cs typeface="Arial" panose="020B0604020202020204" pitchFamily="34" charset="0"/>
-              </a:defRPr>
-            </a:lvl1pPr>
-          </a:lstStyle>
-          <a:p>
-            <a:pPr>
-              <a:defRPr/>
-            </a:pPr>
+            <a:r>
+              <a:rPr lang="en-US" smtClean="0"/>
+              <a:t>Extending Cookbooks</a:t>
+            </a:r>
             <a:endParaRPr lang="en-US"/>
           </a:p>
         </p:txBody>
@@ -730,7 +634,7 @@
     </p:extLst>
   </p:cSld>
   <p:clrMap bg1="lt1" tx1="dk1" bg2="lt2" tx2="dk2" accent1="accent1" accent2="accent2" accent3="accent3" accent4="accent4" accent5="accent5" accent6="accent6" hlink="hlink" folHlink="folHlink"/>
-  <p:hf dt="0"/>
+  <p:hf sldNum="0" ftr="0"/>
   <p:notesStyle>
     <a:lvl1pPr algn="l" defTabSz="1217613" rtl="0" fontAlgn="base">
       <a:lnSpc>
@@ -929,12 +833,12 @@
       </p:sp>
       <p:sp>
         <p:nvSpPr>
-          <p:cNvPr id="4" name="Slide Number Placeholder 3"/>
-          <p:cNvSpPr>
-            <a:spLocks noGrp="1"/>
-          </p:cNvSpPr>
-          <p:nvPr>
-            <p:ph type="sldNum" sz="quarter" idx="10"/>
+          <p:cNvPr id="5" name="Header Placeholder 4"/>
+          <p:cNvSpPr>
+            <a:spLocks noGrp="1"/>
+          </p:cNvSpPr>
+          <p:nvPr>
+            <p:ph type="hdr" sz="quarter" idx="11"/>
           </p:nvPr>
         </p:nvSpPr>
         <p:spPr/>
@@ -945,25 +849,22 @@
             <a:pPr>
               <a:defRPr/>
             </a:pPr>
-            <a:fld id="{DC3734AA-3150-D947-AC52-2F5DF48BFCD5}" type="slidenum">
+            <a:r>
               <a:rPr lang="en-US" smtClean="0"/>
-              <a:pPr>
-                <a:defRPr/>
-              </a:pPr>
-              <a:t>1</a:t>
-            </a:fld>
-            <a:endParaRPr lang="en-US" dirty="0"/>
-          </a:p>
-        </p:txBody>
-      </p:sp>
-      <p:sp>
-        <p:nvSpPr>
-          <p:cNvPr id="5" name="Header Placeholder 4"/>
-          <p:cNvSpPr>
-            <a:spLocks noGrp="1"/>
-          </p:cNvSpPr>
-          <p:nvPr>
-            <p:ph type="hdr" sz="quarter" idx="11"/>
+              <a:t>Extending Cookbooks</a:t>
+            </a:r>
+            <a:endParaRPr lang="en-US"/>
+          </a:p>
+        </p:txBody>
+      </p:sp>
+      <p:sp>
+        <p:nvSpPr>
+          <p:cNvPr id="7" name="Date Placeholder 6"/>
+          <p:cNvSpPr>
+            <a:spLocks noGrp="1"/>
+          </p:cNvSpPr>
+          <p:nvPr>
+            <p:ph type="dt" idx="13"/>
           </p:nvPr>
         </p:nvSpPr>
         <p:spPr/>
@@ -974,29 +875,11 @@
             <a:pPr>
               <a:defRPr/>
             </a:pPr>
-            <a:endParaRPr lang="en-US"/>
-          </a:p>
-        </p:txBody>
-      </p:sp>
-      <p:sp>
-        <p:nvSpPr>
-          <p:cNvPr id="6" name="Footer Placeholder 5"/>
-          <p:cNvSpPr>
-            <a:spLocks noGrp="1"/>
-          </p:cNvSpPr>
-          <p:nvPr>
-            <p:ph type="ftr" sz="quarter" idx="12"/>
-          </p:nvPr>
-        </p:nvSpPr>
-        <p:spPr/>
-        <p:txBody>
-          <a:bodyPr/>
-          <a:lstStyle/>
-          <a:p>
-            <a:pPr>
-              <a:defRPr/>
-            </a:pPr>
-            <a:endParaRPr lang="en-US"/>
+            <a:r>
+              <a:rPr lang="en-US" smtClean="0"/>
+              <a:t>Chef Software, Inc.</a:t>
+            </a:r>
+            <a:endParaRPr lang="en-US" dirty="0"/>
           </a:p>
         </p:txBody>
       </p:sp>
@@ -1004,6 +887,1136 @@
     <p:extLst>
       <p:ext uri="{BB962C8B-B14F-4D97-AF65-F5344CB8AC3E}">
         <p14:creationId xmlns:p14="http://schemas.microsoft.com/office/powerpoint/2010/main" val="1605529637"/>
+      </p:ext>
+    </p:extLst>
+  </p:cSld>
+  <p:clrMapOvr>
+    <a:masterClrMapping/>
+  </p:clrMapOvr>
+</p:notes>
+</file>
+
+<file path=ppt/notesSlides/notesSlide10.xml><?xml version="1.0" encoding="utf-8"?>
+<p:notes xmlns:a="http://schemas.openxmlformats.org/drawingml/2006/main" xmlns:r="http://schemas.openxmlformats.org/officeDocument/2006/relationships" xmlns:p="http://schemas.openxmlformats.org/presentationml/2006/main">
+  <p:cSld>
+    <p:spTree>
+      <p:nvGrpSpPr>
+        <p:cNvPr id="1" name=""/>
+        <p:cNvGrpSpPr/>
+        <p:nvPr/>
+      </p:nvGrpSpPr>
+      <p:grpSpPr>
+        <a:xfrm>
+          <a:off x="0" y="0"/>
+          <a:ext cx="0" cy="0"/>
+          <a:chOff x="0" y="0"/>
+          <a:chExt cx="0" cy="0"/>
+        </a:xfrm>
+      </p:grpSpPr>
+      <p:sp>
+        <p:nvSpPr>
+          <p:cNvPr id="2" name="Slide Image Placeholder 1"/>
+          <p:cNvSpPr>
+            <a:spLocks noGrp="1" noRot="1" noChangeAspect="1"/>
+          </p:cNvSpPr>
+          <p:nvPr>
+            <p:ph type="sldImg"/>
+          </p:nvPr>
+        </p:nvSpPr>
+        <p:spPr/>
+      </p:sp>
+      <p:sp>
+        <p:nvSpPr>
+          <p:cNvPr id="3" name="Notes Placeholder 2"/>
+          <p:cNvSpPr>
+            <a:spLocks noGrp="1"/>
+          </p:cNvSpPr>
+          <p:nvPr>
+            <p:ph type="body" idx="1"/>
+          </p:nvPr>
+        </p:nvSpPr>
+        <p:spPr/>
+        <p:txBody>
+          <a:bodyPr/>
+          <a:lstStyle/>
+          <a:p>
+            <a:endParaRPr lang="en-US"/>
+          </a:p>
+        </p:txBody>
+      </p:sp>
+      <p:sp>
+        <p:nvSpPr>
+          <p:cNvPr id="4" name="Date Placeholder 3"/>
+          <p:cNvSpPr>
+            <a:spLocks noGrp="1"/>
+          </p:cNvSpPr>
+          <p:nvPr>
+            <p:ph type="dt" idx="10"/>
+          </p:nvPr>
+        </p:nvSpPr>
+        <p:spPr/>
+        <p:txBody>
+          <a:bodyPr/>
+          <a:lstStyle/>
+          <a:p>
+            <a:pPr>
+              <a:defRPr/>
+            </a:pPr>
+            <a:r>
+              <a:rPr lang="en-US" smtClean="0"/>
+              <a:t>Chef Software, Inc.</a:t>
+            </a:r>
+            <a:endParaRPr lang="en-US" dirty="0"/>
+          </a:p>
+        </p:txBody>
+      </p:sp>
+      <p:sp>
+        <p:nvSpPr>
+          <p:cNvPr id="5" name="Header Placeholder 4"/>
+          <p:cNvSpPr>
+            <a:spLocks noGrp="1"/>
+          </p:cNvSpPr>
+          <p:nvPr>
+            <p:ph type="hdr" sz="quarter" idx="11"/>
+          </p:nvPr>
+        </p:nvSpPr>
+        <p:spPr/>
+        <p:txBody>
+          <a:bodyPr/>
+          <a:lstStyle/>
+          <a:p>
+            <a:pPr>
+              <a:defRPr/>
+            </a:pPr>
+            <a:r>
+              <a:rPr lang="en-US" smtClean="0"/>
+              <a:t>Extending Cookbooks</a:t>
+            </a:r>
+            <a:endParaRPr lang="en-US"/>
+          </a:p>
+        </p:txBody>
+      </p:sp>
+    </p:spTree>
+    <p:extLst>
+      <p:ext uri="{BB962C8B-B14F-4D97-AF65-F5344CB8AC3E}">
+        <p14:creationId xmlns:p14="http://schemas.microsoft.com/office/powerpoint/2010/main" val="1173313919"/>
+      </p:ext>
+    </p:extLst>
+  </p:cSld>
+  <p:clrMapOvr>
+    <a:masterClrMapping/>
+  </p:clrMapOvr>
+</p:notes>
+</file>
+
+<file path=ppt/notesSlides/notesSlide11.xml><?xml version="1.0" encoding="utf-8"?>
+<p:notes xmlns:a="http://schemas.openxmlformats.org/drawingml/2006/main" xmlns:r="http://schemas.openxmlformats.org/officeDocument/2006/relationships" xmlns:p="http://schemas.openxmlformats.org/presentationml/2006/main">
+  <p:cSld>
+    <p:spTree>
+      <p:nvGrpSpPr>
+        <p:cNvPr id="1" name=""/>
+        <p:cNvGrpSpPr/>
+        <p:nvPr/>
+      </p:nvGrpSpPr>
+      <p:grpSpPr>
+        <a:xfrm>
+          <a:off x="0" y="0"/>
+          <a:ext cx="0" cy="0"/>
+          <a:chOff x="0" y="0"/>
+          <a:chExt cx="0" cy="0"/>
+        </a:xfrm>
+      </p:grpSpPr>
+      <p:sp>
+        <p:nvSpPr>
+          <p:cNvPr id="2" name="Slide Image Placeholder 1"/>
+          <p:cNvSpPr>
+            <a:spLocks noGrp="1" noRot="1" noChangeAspect="1"/>
+          </p:cNvSpPr>
+          <p:nvPr>
+            <p:ph type="sldImg"/>
+          </p:nvPr>
+        </p:nvSpPr>
+        <p:spPr/>
+      </p:sp>
+      <p:sp>
+        <p:nvSpPr>
+          <p:cNvPr id="3" name="Notes Placeholder 2"/>
+          <p:cNvSpPr>
+            <a:spLocks noGrp="1"/>
+          </p:cNvSpPr>
+          <p:nvPr>
+            <p:ph type="body" idx="1"/>
+          </p:nvPr>
+        </p:nvSpPr>
+        <p:spPr/>
+        <p:txBody>
+          <a:bodyPr/>
+          <a:lstStyle/>
+          <a:p>
+            <a:endParaRPr lang="en-US"/>
+          </a:p>
+        </p:txBody>
+      </p:sp>
+      <p:sp>
+        <p:nvSpPr>
+          <p:cNvPr id="4" name="Date Placeholder 3"/>
+          <p:cNvSpPr>
+            <a:spLocks noGrp="1"/>
+          </p:cNvSpPr>
+          <p:nvPr>
+            <p:ph type="dt" idx="10"/>
+          </p:nvPr>
+        </p:nvSpPr>
+        <p:spPr/>
+        <p:txBody>
+          <a:bodyPr/>
+          <a:lstStyle/>
+          <a:p>
+            <a:pPr>
+              <a:defRPr/>
+            </a:pPr>
+            <a:r>
+              <a:rPr lang="en-US" smtClean="0"/>
+              <a:t>Chef Software, Inc.</a:t>
+            </a:r>
+            <a:endParaRPr lang="en-US" dirty="0"/>
+          </a:p>
+        </p:txBody>
+      </p:sp>
+      <p:sp>
+        <p:nvSpPr>
+          <p:cNvPr id="5" name="Header Placeholder 4"/>
+          <p:cNvSpPr>
+            <a:spLocks noGrp="1"/>
+          </p:cNvSpPr>
+          <p:nvPr>
+            <p:ph type="hdr" sz="quarter" idx="11"/>
+          </p:nvPr>
+        </p:nvSpPr>
+        <p:spPr/>
+        <p:txBody>
+          <a:bodyPr/>
+          <a:lstStyle/>
+          <a:p>
+            <a:pPr>
+              <a:defRPr/>
+            </a:pPr>
+            <a:r>
+              <a:rPr lang="en-US" smtClean="0"/>
+              <a:t>Extending Cookbooks</a:t>
+            </a:r>
+            <a:endParaRPr lang="en-US"/>
+          </a:p>
+        </p:txBody>
+      </p:sp>
+    </p:spTree>
+    <p:extLst>
+      <p:ext uri="{BB962C8B-B14F-4D97-AF65-F5344CB8AC3E}">
+        <p14:creationId xmlns:p14="http://schemas.microsoft.com/office/powerpoint/2010/main" val="1722093160"/>
+      </p:ext>
+    </p:extLst>
+  </p:cSld>
+  <p:clrMapOvr>
+    <a:masterClrMapping/>
+  </p:clrMapOvr>
+</p:notes>
+</file>
+
+<file path=ppt/notesSlides/notesSlide12.xml><?xml version="1.0" encoding="utf-8"?>
+<p:notes xmlns:a="http://schemas.openxmlformats.org/drawingml/2006/main" xmlns:r="http://schemas.openxmlformats.org/officeDocument/2006/relationships" xmlns:p="http://schemas.openxmlformats.org/presentationml/2006/main">
+  <p:cSld>
+    <p:spTree>
+      <p:nvGrpSpPr>
+        <p:cNvPr id="1" name=""/>
+        <p:cNvGrpSpPr/>
+        <p:nvPr/>
+      </p:nvGrpSpPr>
+      <p:grpSpPr>
+        <a:xfrm>
+          <a:off x="0" y="0"/>
+          <a:ext cx="0" cy="0"/>
+          <a:chOff x="0" y="0"/>
+          <a:chExt cx="0" cy="0"/>
+        </a:xfrm>
+      </p:grpSpPr>
+      <p:sp>
+        <p:nvSpPr>
+          <p:cNvPr id="2" name="Slide Image Placeholder 1"/>
+          <p:cNvSpPr>
+            <a:spLocks noGrp="1" noRot="1" noChangeAspect="1"/>
+          </p:cNvSpPr>
+          <p:nvPr>
+            <p:ph type="sldImg"/>
+          </p:nvPr>
+        </p:nvSpPr>
+        <p:spPr/>
+      </p:sp>
+      <p:sp>
+        <p:nvSpPr>
+          <p:cNvPr id="3" name="Notes Placeholder 2"/>
+          <p:cNvSpPr>
+            <a:spLocks noGrp="1"/>
+          </p:cNvSpPr>
+          <p:nvPr>
+            <p:ph type="body" idx="1"/>
+          </p:nvPr>
+        </p:nvSpPr>
+        <p:spPr/>
+        <p:txBody>
+          <a:bodyPr/>
+          <a:lstStyle/>
+          <a:p>
+            <a:endParaRPr lang="en-US"/>
+          </a:p>
+        </p:txBody>
+      </p:sp>
+      <p:sp>
+        <p:nvSpPr>
+          <p:cNvPr id="4" name="Date Placeholder 3"/>
+          <p:cNvSpPr>
+            <a:spLocks noGrp="1"/>
+          </p:cNvSpPr>
+          <p:nvPr>
+            <p:ph type="dt" idx="10"/>
+          </p:nvPr>
+        </p:nvSpPr>
+        <p:spPr/>
+        <p:txBody>
+          <a:bodyPr/>
+          <a:lstStyle/>
+          <a:p>
+            <a:pPr>
+              <a:defRPr/>
+            </a:pPr>
+            <a:r>
+              <a:rPr lang="en-US" smtClean="0"/>
+              <a:t>Chef Software, Inc.</a:t>
+            </a:r>
+            <a:endParaRPr lang="en-US" dirty="0"/>
+          </a:p>
+        </p:txBody>
+      </p:sp>
+      <p:sp>
+        <p:nvSpPr>
+          <p:cNvPr id="5" name="Header Placeholder 4"/>
+          <p:cNvSpPr>
+            <a:spLocks noGrp="1"/>
+          </p:cNvSpPr>
+          <p:nvPr>
+            <p:ph type="hdr" sz="quarter" idx="11"/>
+          </p:nvPr>
+        </p:nvSpPr>
+        <p:spPr/>
+        <p:txBody>
+          <a:bodyPr/>
+          <a:lstStyle/>
+          <a:p>
+            <a:pPr>
+              <a:defRPr/>
+            </a:pPr>
+            <a:r>
+              <a:rPr lang="en-US" smtClean="0"/>
+              <a:t>Extending Cookbooks</a:t>
+            </a:r>
+            <a:endParaRPr lang="en-US"/>
+          </a:p>
+        </p:txBody>
+      </p:sp>
+    </p:spTree>
+    <p:extLst>
+      <p:ext uri="{BB962C8B-B14F-4D97-AF65-F5344CB8AC3E}">
+        <p14:creationId xmlns:p14="http://schemas.microsoft.com/office/powerpoint/2010/main" val="25045901"/>
+      </p:ext>
+    </p:extLst>
+  </p:cSld>
+  <p:clrMapOvr>
+    <a:masterClrMapping/>
+  </p:clrMapOvr>
+</p:notes>
+</file>
+
+<file path=ppt/notesSlides/notesSlide13.xml><?xml version="1.0" encoding="utf-8"?>
+<p:notes xmlns:a="http://schemas.openxmlformats.org/drawingml/2006/main" xmlns:r="http://schemas.openxmlformats.org/officeDocument/2006/relationships" xmlns:p="http://schemas.openxmlformats.org/presentationml/2006/main">
+  <p:cSld>
+    <p:spTree>
+      <p:nvGrpSpPr>
+        <p:cNvPr id="1" name=""/>
+        <p:cNvGrpSpPr/>
+        <p:nvPr/>
+      </p:nvGrpSpPr>
+      <p:grpSpPr>
+        <a:xfrm>
+          <a:off x="0" y="0"/>
+          <a:ext cx="0" cy="0"/>
+          <a:chOff x="0" y="0"/>
+          <a:chExt cx="0" cy="0"/>
+        </a:xfrm>
+      </p:grpSpPr>
+      <p:sp>
+        <p:nvSpPr>
+          <p:cNvPr id="2" name="Slide Image Placeholder 1"/>
+          <p:cNvSpPr>
+            <a:spLocks noGrp="1" noRot="1" noChangeAspect="1"/>
+          </p:cNvSpPr>
+          <p:nvPr>
+            <p:ph type="sldImg"/>
+          </p:nvPr>
+        </p:nvSpPr>
+        <p:spPr/>
+      </p:sp>
+      <p:sp>
+        <p:nvSpPr>
+          <p:cNvPr id="3" name="Notes Placeholder 2"/>
+          <p:cNvSpPr>
+            <a:spLocks noGrp="1"/>
+          </p:cNvSpPr>
+          <p:nvPr>
+            <p:ph type="body" idx="1"/>
+          </p:nvPr>
+        </p:nvSpPr>
+        <p:spPr/>
+        <p:txBody>
+          <a:bodyPr/>
+          <a:lstStyle/>
+          <a:p>
+            <a:endParaRPr lang="en-US"/>
+          </a:p>
+        </p:txBody>
+      </p:sp>
+      <p:sp>
+        <p:nvSpPr>
+          <p:cNvPr id="4" name="Date Placeholder 3"/>
+          <p:cNvSpPr>
+            <a:spLocks noGrp="1"/>
+          </p:cNvSpPr>
+          <p:nvPr>
+            <p:ph type="dt" idx="10"/>
+          </p:nvPr>
+        </p:nvSpPr>
+        <p:spPr/>
+        <p:txBody>
+          <a:bodyPr/>
+          <a:lstStyle/>
+          <a:p>
+            <a:pPr>
+              <a:defRPr/>
+            </a:pPr>
+            <a:r>
+              <a:rPr lang="en-US" smtClean="0"/>
+              <a:t>Chef Software, Inc.</a:t>
+            </a:r>
+            <a:endParaRPr lang="en-US" dirty="0"/>
+          </a:p>
+        </p:txBody>
+      </p:sp>
+      <p:sp>
+        <p:nvSpPr>
+          <p:cNvPr id="5" name="Header Placeholder 4"/>
+          <p:cNvSpPr>
+            <a:spLocks noGrp="1"/>
+          </p:cNvSpPr>
+          <p:nvPr>
+            <p:ph type="hdr" sz="quarter" idx="11"/>
+          </p:nvPr>
+        </p:nvSpPr>
+        <p:spPr/>
+        <p:txBody>
+          <a:bodyPr/>
+          <a:lstStyle/>
+          <a:p>
+            <a:pPr>
+              <a:defRPr/>
+            </a:pPr>
+            <a:r>
+              <a:rPr lang="en-US" smtClean="0"/>
+              <a:t>Extending Cookbooks</a:t>
+            </a:r>
+            <a:endParaRPr lang="en-US"/>
+          </a:p>
+        </p:txBody>
+      </p:sp>
+    </p:spTree>
+    <p:extLst>
+      <p:ext uri="{BB962C8B-B14F-4D97-AF65-F5344CB8AC3E}">
+        <p14:creationId xmlns:p14="http://schemas.microsoft.com/office/powerpoint/2010/main" val="203516821"/>
+      </p:ext>
+    </p:extLst>
+  </p:cSld>
+  <p:clrMapOvr>
+    <a:masterClrMapping/>
+  </p:clrMapOvr>
+</p:notes>
+</file>
+
+<file path=ppt/notesSlides/notesSlide14.xml><?xml version="1.0" encoding="utf-8"?>
+<p:notes xmlns:a="http://schemas.openxmlformats.org/drawingml/2006/main" xmlns:r="http://schemas.openxmlformats.org/officeDocument/2006/relationships" xmlns:p="http://schemas.openxmlformats.org/presentationml/2006/main">
+  <p:cSld>
+    <p:spTree>
+      <p:nvGrpSpPr>
+        <p:cNvPr id="1" name=""/>
+        <p:cNvGrpSpPr/>
+        <p:nvPr/>
+      </p:nvGrpSpPr>
+      <p:grpSpPr>
+        <a:xfrm>
+          <a:off x="0" y="0"/>
+          <a:ext cx="0" cy="0"/>
+          <a:chOff x="0" y="0"/>
+          <a:chExt cx="0" cy="0"/>
+        </a:xfrm>
+      </p:grpSpPr>
+      <p:sp>
+        <p:nvSpPr>
+          <p:cNvPr id="2" name="Slide Image Placeholder 1"/>
+          <p:cNvSpPr>
+            <a:spLocks noGrp="1" noRot="1" noChangeAspect="1"/>
+          </p:cNvSpPr>
+          <p:nvPr>
+            <p:ph type="sldImg"/>
+          </p:nvPr>
+        </p:nvSpPr>
+        <p:spPr/>
+      </p:sp>
+      <p:sp>
+        <p:nvSpPr>
+          <p:cNvPr id="3" name="Notes Placeholder 2"/>
+          <p:cNvSpPr>
+            <a:spLocks noGrp="1"/>
+          </p:cNvSpPr>
+          <p:nvPr>
+            <p:ph type="body" idx="1"/>
+          </p:nvPr>
+        </p:nvSpPr>
+        <p:spPr/>
+        <p:txBody>
+          <a:bodyPr/>
+          <a:lstStyle/>
+          <a:p>
+            <a:endParaRPr lang="en-US"/>
+          </a:p>
+        </p:txBody>
+      </p:sp>
+      <p:sp>
+        <p:nvSpPr>
+          <p:cNvPr id="4" name="Date Placeholder 3"/>
+          <p:cNvSpPr>
+            <a:spLocks noGrp="1"/>
+          </p:cNvSpPr>
+          <p:nvPr>
+            <p:ph type="dt" idx="10"/>
+          </p:nvPr>
+        </p:nvSpPr>
+        <p:spPr/>
+        <p:txBody>
+          <a:bodyPr/>
+          <a:lstStyle/>
+          <a:p>
+            <a:pPr>
+              <a:defRPr/>
+            </a:pPr>
+            <a:r>
+              <a:rPr lang="en-US" smtClean="0"/>
+              <a:t>Chef Software, Inc.</a:t>
+            </a:r>
+            <a:endParaRPr lang="en-US" dirty="0"/>
+          </a:p>
+        </p:txBody>
+      </p:sp>
+      <p:sp>
+        <p:nvSpPr>
+          <p:cNvPr id="5" name="Header Placeholder 4"/>
+          <p:cNvSpPr>
+            <a:spLocks noGrp="1"/>
+          </p:cNvSpPr>
+          <p:nvPr>
+            <p:ph type="hdr" sz="quarter" idx="11"/>
+          </p:nvPr>
+        </p:nvSpPr>
+        <p:spPr/>
+        <p:txBody>
+          <a:bodyPr/>
+          <a:lstStyle/>
+          <a:p>
+            <a:pPr>
+              <a:defRPr/>
+            </a:pPr>
+            <a:r>
+              <a:rPr lang="en-US" smtClean="0"/>
+              <a:t>Extending Cookbooks</a:t>
+            </a:r>
+            <a:endParaRPr lang="en-US"/>
+          </a:p>
+        </p:txBody>
+      </p:sp>
+    </p:spTree>
+    <p:extLst>
+      <p:ext uri="{BB962C8B-B14F-4D97-AF65-F5344CB8AC3E}">
+        <p14:creationId xmlns:p14="http://schemas.microsoft.com/office/powerpoint/2010/main" val="222938662"/>
+      </p:ext>
+    </p:extLst>
+  </p:cSld>
+  <p:clrMapOvr>
+    <a:masterClrMapping/>
+  </p:clrMapOvr>
+</p:notes>
+</file>
+
+<file path=ppt/notesSlides/notesSlide15.xml><?xml version="1.0" encoding="utf-8"?>
+<p:notes xmlns:a="http://schemas.openxmlformats.org/drawingml/2006/main" xmlns:r="http://schemas.openxmlformats.org/officeDocument/2006/relationships" xmlns:p="http://schemas.openxmlformats.org/presentationml/2006/main">
+  <p:cSld>
+    <p:spTree>
+      <p:nvGrpSpPr>
+        <p:cNvPr id="1" name=""/>
+        <p:cNvGrpSpPr/>
+        <p:nvPr/>
+      </p:nvGrpSpPr>
+      <p:grpSpPr>
+        <a:xfrm>
+          <a:off x="0" y="0"/>
+          <a:ext cx="0" cy="0"/>
+          <a:chOff x="0" y="0"/>
+          <a:chExt cx="0" cy="0"/>
+        </a:xfrm>
+      </p:grpSpPr>
+      <p:sp>
+        <p:nvSpPr>
+          <p:cNvPr id="2" name="Slide Image Placeholder 1"/>
+          <p:cNvSpPr>
+            <a:spLocks noGrp="1" noRot="1" noChangeAspect="1"/>
+          </p:cNvSpPr>
+          <p:nvPr>
+            <p:ph type="sldImg"/>
+          </p:nvPr>
+        </p:nvSpPr>
+        <p:spPr/>
+      </p:sp>
+      <p:sp>
+        <p:nvSpPr>
+          <p:cNvPr id="3" name="Notes Placeholder 2"/>
+          <p:cNvSpPr>
+            <a:spLocks noGrp="1"/>
+          </p:cNvSpPr>
+          <p:nvPr>
+            <p:ph type="body" idx="1"/>
+          </p:nvPr>
+        </p:nvSpPr>
+        <p:spPr/>
+        <p:txBody>
+          <a:bodyPr/>
+          <a:lstStyle/>
+          <a:p>
+            <a:endParaRPr lang="en-US"/>
+          </a:p>
+        </p:txBody>
+      </p:sp>
+      <p:sp>
+        <p:nvSpPr>
+          <p:cNvPr id="4" name="Date Placeholder 3"/>
+          <p:cNvSpPr>
+            <a:spLocks noGrp="1"/>
+          </p:cNvSpPr>
+          <p:nvPr>
+            <p:ph type="dt" idx="10"/>
+          </p:nvPr>
+        </p:nvSpPr>
+        <p:spPr/>
+        <p:txBody>
+          <a:bodyPr/>
+          <a:lstStyle/>
+          <a:p>
+            <a:pPr>
+              <a:defRPr/>
+            </a:pPr>
+            <a:r>
+              <a:rPr lang="en-US" smtClean="0"/>
+              <a:t>Chef Software, Inc.</a:t>
+            </a:r>
+            <a:endParaRPr lang="en-US" dirty="0"/>
+          </a:p>
+        </p:txBody>
+      </p:sp>
+      <p:sp>
+        <p:nvSpPr>
+          <p:cNvPr id="5" name="Header Placeholder 4"/>
+          <p:cNvSpPr>
+            <a:spLocks noGrp="1"/>
+          </p:cNvSpPr>
+          <p:nvPr>
+            <p:ph type="hdr" sz="quarter" idx="11"/>
+          </p:nvPr>
+        </p:nvSpPr>
+        <p:spPr/>
+        <p:txBody>
+          <a:bodyPr/>
+          <a:lstStyle/>
+          <a:p>
+            <a:pPr>
+              <a:defRPr/>
+            </a:pPr>
+            <a:r>
+              <a:rPr lang="en-US" smtClean="0"/>
+              <a:t>Extending Cookbooks</a:t>
+            </a:r>
+            <a:endParaRPr lang="en-US"/>
+          </a:p>
+        </p:txBody>
+      </p:sp>
+    </p:spTree>
+    <p:extLst>
+      <p:ext uri="{BB962C8B-B14F-4D97-AF65-F5344CB8AC3E}">
+        <p14:creationId xmlns:p14="http://schemas.microsoft.com/office/powerpoint/2010/main" val="1138680893"/>
+      </p:ext>
+    </p:extLst>
+  </p:cSld>
+  <p:clrMapOvr>
+    <a:masterClrMapping/>
+  </p:clrMapOvr>
+</p:notes>
+</file>
+
+<file path=ppt/notesSlides/notesSlide16.xml><?xml version="1.0" encoding="utf-8"?>
+<p:notes xmlns:a="http://schemas.openxmlformats.org/drawingml/2006/main" xmlns:r="http://schemas.openxmlformats.org/officeDocument/2006/relationships" xmlns:p="http://schemas.openxmlformats.org/presentationml/2006/main">
+  <p:cSld>
+    <p:spTree>
+      <p:nvGrpSpPr>
+        <p:cNvPr id="1" name=""/>
+        <p:cNvGrpSpPr/>
+        <p:nvPr/>
+      </p:nvGrpSpPr>
+      <p:grpSpPr>
+        <a:xfrm>
+          <a:off x="0" y="0"/>
+          <a:ext cx="0" cy="0"/>
+          <a:chOff x="0" y="0"/>
+          <a:chExt cx="0" cy="0"/>
+        </a:xfrm>
+      </p:grpSpPr>
+      <p:sp>
+        <p:nvSpPr>
+          <p:cNvPr id="2" name="Slide Image Placeholder 1"/>
+          <p:cNvSpPr>
+            <a:spLocks noGrp="1" noRot="1" noChangeAspect="1"/>
+          </p:cNvSpPr>
+          <p:nvPr>
+            <p:ph type="sldImg"/>
+          </p:nvPr>
+        </p:nvSpPr>
+        <p:spPr/>
+      </p:sp>
+      <p:sp>
+        <p:nvSpPr>
+          <p:cNvPr id="3" name="Notes Placeholder 2"/>
+          <p:cNvSpPr>
+            <a:spLocks noGrp="1"/>
+          </p:cNvSpPr>
+          <p:nvPr>
+            <p:ph type="body" idx="1"/>
+          </p:nvPr>
+        </p:nvSpPr>
+        <p:spPr/>
+        <p:txBody>
+          <a:bodyPr/>
+          <a:lstStyle/>
+          <a:p>
+            <a:endParaRPr lang="en-US"/>
+          </a:p>
+        </p:txBody>
+      </p:sp>
+      <p:sp>
+        <p:nvSpPr>
+          <p:cNvPr id="4" name="Date Placeholder 3"/>
+          <p:cNvSpPr>
+            <a:spLocks noGrp="1"/>
+          </p:cNvSpPr>
+          <p:nvPr>
+            <p:ph type="dt" idx="10"/>
+          </p:nvPr>
+        </p:nvSpPr>
+        <p:spPr/>
+        <p:txBody>
+          <a:bodyPr/>
+          <a:lstStyle/>
+          <a:p>
+            <a:pPr>
+              <a:defRPr/>
+            </a:pPr>
+            <a:r>
+              <a:rPr lang="en-US" smtClean="0"/>
+              <a:t>Chef Software, Inc.</a:t>
+            </a:r>
+            <a:endParaRPr lang="en-US" dirty="0"/>
+          </a:p>
+        </p:txBody>
+      </p:sp>
+      <p:sp>
+        <p:nvSpPr>
+          <p:cNvPr id="5" name="Header Placeholder 4"/>
+          <p:cNvSpPr>
+            <a:spLocks noGrp="1"/>
+          </p:cNvSpPr>
+          <p:nvPr>
+            <p:ph type="hdr" sz="quarter" idx="11"/>
+          </p:nvPr>
+        </p:nvSpPr>
+        <p:spPr/>
+        <p:txBody>
+          <a:bodyPr/>
+          <a:lstStyle/>
+          <a:p>
+            <a:pPr>
+              <a:defRPr/>
+            </a:pPr>
+            <a:r>
+              <a:rPr lang="en-US" smtClean="0"/>
+              <a:t>Extending Cookbooks</a:t>
+            </a:r>
+            <a:endParaRPr lang="en-US"/>
+          </a:p>
+        </p:txBody>
+      </p:sp>
+    </p:spTree>
+    <p:extLst>
+      <p:ext uri="{BB962C8B-B14F-4D97-AF65-F5344CB8AC3E}">
+        <p14:creationId xmlns:p14="http://schemas.microsoft.com/office/powerpoint/2010/main" val="69993268"/>
+      </p:ext>
+    </p:extLst>
+  </p:cSld>
+  <p:clrMapOvr>
+    <a:masterClrMapping/>
+  </p:clrMapOvr>
+</p:notes>
+</file>
+
+<file path=ppt/notesSlides/notesSlide17.xml><?xml version="1.0" encoding="utf-8"?>
+<p:notes xmlns:a="http://schemas.openxmlformats.org/drawingml/2006/main" xmlns:r="http://schemas.openxmlformats.org/officeDocument/2006/relationships" xmlns:p="http://schemas.openxmlformats.org/presentationml/2006/main">
+  <p:cSld>
+    <p:spTree>
+      <p:nvGrpSpPr>
+        <p:cNvPr id="1" name=""/>
+        <p:cNvGrpSpPr/>
+        <p:nvPr/>
+      </p:nvGrpSpPr>
+      <p:grpSpPr>
+        <a:xfrm>
+          <a:off x="0" y="0"/>
+          <a:ext cx="0" cy="0"/>
+          <a:chOff x="0" y="0"/>
+          <a:chExt cx="0" cy="0"/>
+        </a:xfrm>
+      </p:grpSpPr>
+      <p:sp>
+        <p:nvSpPr>
+          <p:cNvPr id="2" name="Slide Image Placeholder 1"/>
+          <p:cNvSpPr>
+            <a:spLocks noGrp="1" noRot="1" noChangeAspect="1"/>
+          </p:cNvSpPr>
+          <p:nvPr>
+            <p:ph type="sldImg"/>
+          </p:nvPr>
+        </p:nvSpPr>
+        <p:spPr/>
+      </p:sp>
+      <p:sp>
+        <p:nvSpPr>
+          <p:cNvPr id="3" name="Notes Placeholder 2"/>
+          <p:cNvSpPr>
+            <a:spLocks noGrp="1"/>
+          </p:cNvSpPr>
+          <p:nvPr>
+            <p:ph type="body" idx="1"/>
+          </p:nvPr>
+        </p:nvSpPr>
+        <p:spPr/>
+        <p:txBody>
+          <a:bodyPr/>
+          <a:lstStyle/>
+          <a:p>
+            <a:endParaRPr lang="en-US"/>
+          </a:p>
+        </p:txBody>
+      </p:sp>
+      <p:sp>
+        <p:nvSpPr>
+          <p:cNvPr id="4" name="Date Placeholder 3"/>
+          <p:cNvSpPr>
+            <a:spLocks noGrp="1"/>
+          </p:cNvSpPr>
+          <p:nvPr>
+            <p:ph type="dt" idx="10"/>
+          </p:nvPr>
+        </p:nvSpPr>
+        <p:spPr/>
+        <p:txBody>
+          <a:bodyPr/>
+          <a:lstStyle/>
+          <a:p>
+            <a:pPr>
+              <a:defRPr/>
+            </a:pPr>
+            <a:r>
+              <a:rPr lang="en-US" smtClean="0"/>
+              <a:t>Chef Software, Inc.</a:t>
+            </a:r>
+            <a:endParaRPr lang="en-US" dirty="0"/>
+          </a:p>
+        </p:txBody>
+      </p:sp>
+      <p:sp>
+        <p:nvSpPr>
+          <p:cNvPr id="5" name="Header Placeholder 4"/>
+          <p:cNvSpPr>
+            <a:spLocks noGrp="1"/>
+          </p:cNvSpPr>
+          <p:nvPr>
+            <p:ph type="hdr" sz="quarter" idx="11"/>
+          </p:nvPr>
+        </p:nvSpPr>
+        <p:spPr/>
+        <p:txBody>
+          <a:bodyPr/>
+          <a:lstStyle/>
+          <a:p>
+            <a:pPr>
+              <a:defRPr/>
+            </a:pPr>
+            <a:r>
+              <a:rPr lang="en-US" smtClean="0"/>
+              <a:t>Extending Cookbooks</a:t>
+            </a:r>
+            <a:endParaRPr lang="en-US"/>
+          </a:p>
+        </p:txBody>
+      </p:sp>
+    </p:spTree>
+    <p:extLst>
+      <p:ext uri="{BB962C8B-B14F-4D97-AF65-F5344CB8AC3E}">
+        <p14:creationId xmlns:p14="http://schemas.microsoft.com/office/powerpoint/2010/main" val="1757980169"/>
+      </p:ext>
+    </p:extLst>
+  </p:cSld>
+  <p:clrMapOvr>
+    <a:masterClrMapping/>
+  </p:clrMapOvr>
+</p:notes>
+</file>
+
+<file path=ppt/notesSlides/notesSlide18.xml><?xml version="1.0" encoding="utf-8"?>
+<p:notes xmlns:a="http://schemas.openxmlformats.org/drawingml/2006/main" xmlns:r="http://schemas.openxmlformats.org/officeDocument/2006/relationships" xmlns:p="http://schemas.openxmlformats.org/presentationml/2006/main">
+  <p:cSld>
+    <p:spTree>
+      <p:nvGrpSpPr>
+        <p:cNvPr id="1" name=""/>
+        <p:cNvGrpSpPr/>
+        <p:nvPr/>
+      </p:nvGrpSpPr>
+      <p:grpSpPr>
+        <a:xfrm>
+          <a:off x="0" y="0"/>
+          <a:ext cx="0" cy="0"/>
+          <a:chOff x="0" y="0"/>
+          <a:chExt cx="0" cy="0"/>
+        </a:xfrm>
+      </p:grpSpPr>
+      <p:sp>
+        <p:nvSpPr>
+          <p:cNvPr id="2" name="Slide Image Placeholder 1"/>
+          <p:cNvSpPr>
+            <a:spLocks noGrp="1" noRot="1" noChangeAspect="1"/>
+          </p:cNvSpPr>
+          <p:nvPr>
+            <p:ph type="sldImg"/>
+          </p:nvPr>
+        </p:nvSpPr>
+        <p:spPr/>
+      </p:sp>
+      <p:sp>
+        <p:nvSpPr>
+          <p:cNvPr id="3" name="Notes Placeholder 2"/>
+          <p:cNvSpPr>
+            <a:spLocks noGrp="1"/>
+          </p:cNvSpPr>
+          <p:nvPr>
+            <p:ph type="body" idx="1"/>
+          </p:nvPr>
+        </p:nvSpPr>
+        <p:spPr/>
+        <p:txBody>
+          <a:bodyPr/>
+          <a:lstStyle/>
+          <a:p>
+            <a:endParaRPr lang="en-US"/>
+          </a:p>
+        </p:txBody>
+      </p:sp>
+      <p:sp>
+        <p:nvSpPr>
+          <p:cNvPr id="4" name="Date Placeholder 3"/>
+          <p:cNvSpPr>
+            <a:spLocks noGrp="1"/>
+          </p:cNvSpPr>
+          <p:nvPr>
+            <p:ph type="dt" idx="10"/>
+          </p:nvPr>
+        </p:nvSpPr>
+        <p:spPr/>
+        <p:txBody>
+          <a:bodyPr/>
+          <a:lstStyle/>
+          <a:p>
+            <a:pPr>
+              <a:defRPr/>
+            </a:pPr>
+            <a:r>
+              <a:rPr lang="en-US" smtClean="0"/>
+              <a:t>Chef Software, Inc.</a:t>
+            </a:r>
+            <a:endParaRPr lang="en-US" dirty="0"/>
+          </a:p>
+        </p:txBody>
+      </p:sp>
+      <p:sp>
+        <p:nvSpPr>
+          <p:cNvPr id="5" name="Header Placeholder 4"/>
+          <p:cNvSpPr>
+            <a:spLocks noGrp="1"/>
+          </p:cNvSpPr>
+          <p:nvPr>
+            <p:ph type="hdr" sz="quarter" idx="11"/>
+          </p:nvPr>
+        </p:nvSpPr>
+        <p:spPr/>
+        <p:txBody>
+          <a:bodyPr/>
+          <a:lstStyle/>
+          <a:p>
+            <a:pPr>
+              <a:defRPr/>
+            </a:pPr>
+            <a:r>
+              <a:rPr lang="en-US" smtClean="0"/>
+              <a:t>Extending Cookbooks</a:t>
+            </a:r>
+            <a:endParaRPr lang="en-US"/>
+          </a:p>
+        </p:txBody>
+      </p:sp>
+    </p:spTree>
+    <p:extLst>
+      <p:ext uri="{BB962C8B-B14F-4D97-AF65-F5344CB8AC3E}">
+        <p14:creationId xmlns:p14="http://schemas.microsoft.com/office/powerpoint/2010/main" val="20882053"/>
+      </p:ext>
+    </p:extLst>
+  </p:cSld>
+  <p:clrMapOvr>
+    <a:masterClrMapping/>
+  </p:clrMapOvr>
+</p:notes>
+</file>
+
+<file path=ppt/notesSlides/notesSlide19.xml><?xml version="1.0" encoding="utf-8"?>
+<p:notes xmlns:a="http://schemas.openxmlformats.org/drawingml/2006/main" xmlns:r="http://schemas.openxmlformats.org/officeDocument/2006/relationships" xmlns:p="http://schemas.openxmlformats.org/presentationml/2006/main">
+  <p:cSld>
+    <p:spTree>
+      <p:nvGrpSpPr>
+        <p:cNvPr id="1" name=""/>
+        <p:cNvGrpSpPr/>
+        <p:nvPr/>
+      </p:nvGrpSpPr>
+      <p:grpSpPr>
+        <a:xfrm>
+          <a:off x="0" y="0"/>
+          <a:ext cx="0" cy="0"/>
+          <a:chOff x="0" y="0"/>
+          <a:chExt cx="0" cy="0"/>
+        </a:xfrm>
+      </p:grpSpPr>
+      <p:sp>
+        <p:nvSpPr>
+          <p:cNvPr id="2" name="Slide Image Placeholder 1"/>
+          <p:cNvSpPr>
+            <a:spLocks noGrp="1" noRot="1" noChangeAspect="1"/>
+          </p:cNvSpPr>
+          <p:nvPr>
+            <p:ph type="sldImg"/>
+          </p:nvPr>
+        </p:nvSpPr>
+        <p:spPr/>
+      </p:sp>
+      <p:sp>
+        <p:nvSpPr>
+          <p:cNvPr id="3" name="Notes Placeholder 2"/>
+          <p:cNvSpPr>
+            <a:spLocks noGrp="1"/>
+          </p:cNvSpPr>
+          <p:nvPr>
+            <p:ph type="body" idx="1"/>
+          </p:nvPr>
+        </p:nvSpPr>
+        <p:spPr/>
+        <p:txBody>
+          <a:bodyPr/>
+          <a:lstStyle/>
+          <a:p>
+            <a:endParaRPr lang="en-US"/>
+          </a:p>
+        </p:txBody>
+      </p:sp>
+      <p:sp>
+        <p:nvSpPr>
+          <p:cNvPr id="4" name="Date Placeholder 3"/>
+          <p:cNvSpPr>
+            <a:spLocks noGrp="1"/>
+          </p:cNvSpPr>
+          <p:nvPr>
+            <p:ph type="dt" idx="10"/>
+          </p:nvPr>
+        </p:nvSpPr>
+        <p:spPr/>
+        <p:txBody>
+          <a:bodyPr/>
+          <a:lstStyle/>
+          <a:p>
+            <a:pPr>
+              <a:defRPr/>
+            </a:pPr>
+            <a:r>
+              <a:rPr lang="en-US" smtClean="0"/>
+              <a:t>Chef Software, Inc.</a:t>
+            </a:r>
+            <a:endParaRPr lang="en-US" dirty="0"/>
+          </a:p>
+        </p:txBody>
+      </p:sp>
+      <p:sp>
+        <p:nvSpPr>
+          <p:cNvPr id="5" name="Header Placeholder 4"/>
+          <p:cNvSpPr>
+            <a:spLocks noGrp="1"/>
+          </p:cNvSpPr>
+          <p:nvPr>
+            <p:ph type="hdr" sz="quarter" idx="11"/>
+          </p:nvPr>
+        </p:nvSpPr>
+        <p:spPr/>
+        <p:txBody>
+          <a:bodyPr/>
+          <a:lstStyle/>
+          <a:p>
+            <a:pPr>
+              <a:defRPr/>
+            </a:pPr>
+            <a:r>
+              <a:rPr lang="en-US" smtClean="0"/>
+              <a:t>Extending Cookbooks</a:t>
+            </a:r>
+            <a:endParaRPr lang="en-US"/>
+          </a:p>
+        </p:txBody>
+      </p:sp>
+    </p:spTree>
+    <p:extLst>
+      <p:ext uri="{BB962C8B-B14F-4D97-AF65-F5344CB8AC3E}">
+        <p14:creationId xmlns:p14="http://schemas.microsoft.com/office/powerpoint/2010/main" val="827122139"/>
       </p:ext>
     </p:extLst>
   </p:cSld>
@@ -1071,12 +2084,12 @@
       </p:sp>
       <p:sp>
         <p:nvSpPr>
-          <p:cNvPr id="4" name="Slide Number Placeholder 3"/>
-          <p:cNvSpPr>
-            <a:spLocks noGrp="1"/>
-          </p:cNvSpPr>
-          <p:nvPr>
-            <p:ph type="sldNum" sz="quarter" idx="10"/>
+          <p:cNvPr id="5" name="Header Placeholder 4"/>
+          <p:cNvSpPr>
+            <a:spLocks noGrp="1"/>
+          </p:cNvSpPr>
+          <p:nvPr>
+            <p:ph type="hdr" sz="quarter" idx="11"/>
           </p:nvPr>
         </p:nvSpPr>
         <p:spPr/>
@@ -1087,25 +2100,22 @@
             <a:pPr>
               <a:defRPr/>
             </a:pPr>
-            <a:fld id="{DC3734AA-3150-D947-AC52-2F5DF48BFCD5}" type="slidenum">
+            <a:r>
               <a:rPr lang="en-US" smtClean="0"/>
-              <a:pPr>
-                <a:defRPr/>
-              </a:pPr>
-              <a:t>2</a:t>
-            </a:fld>
-            <a:endParaRPr lang="en-US" dirty="0"/>
-          </a:p>
-        </p:txBody>
-      </p:sp>
-      <p:sp>
-        <p:nvSpPr>
-          <p:cNvPr id="5" name="Header Placeholder 4"/>
-          <p:cNvSpPr>
-            <a:spLocks noGrp="1"/>
-          </p:cNvSpPr>
-          <p:nvPr>
-            <p:ph type="hdr" sz="quarter" idx="11"/>
+              <a:t>Extending Cookbooks</a:t>
+            </a:r>
+            <a:endParaRPr lang="en-US"/>
+          </a:p>
+        </p:txBody>
+      </p:sp>
+      <p:sp>
+        <p:nvSpPr>
+          <p:cNvPr id="7" name="Date Placeholder 6"/>
+          <p:cNvSpPr>
+            <a:spLocks noGrp="1"/>
+          </p:cNvSpPr>
+          <p:nvPr>
+            <p:ph type="dt" idx="13"/>
           </p:nvPr>
         </p:nvSpPr>
         <p:spPr/>
@@ -1116,29 +2126,11 @@
             <a:pPr>
               <a:defRPr/>
             </a:pPr>
-            <a:endParaRPr lang="en-US"/>
-          </a:p>
-        </p:txBody>
-      </p:sp>
-      <p:sp>
-        <p:nvSpPr>
-          <p:cNvPr id="6" name="Footer Placeholder 5"/>
-          <p:cNvSpPr>
-            <a:spLocks noGrp="1"/>
-          </p:cNvSpPr>
-          <p:nvPr>
-            <p:ph type="ftr" sz="quarter" idx="12"/>
-          </p:nvPr>
-        </p:nvSpPr>
-        <p:spPr/>
-        <p:txBody>
-          <a:bodyPr/>
-          <a:lstStyle/>
-          <a:p>
-            <a:pPr>
-              <a:defRPr/>
-            </a:pPr>
-            <a:endParaRPr lang="en-US"/>
+            <a:r>
+              <a:rPr lang="en-US" smtClean="0"/>
+              <a:t>Chef Software, Inc.</a:t>
+            </a:r>
+            <a:endParaRPr lang="en-US" dirty="0"/>
           </a:p>
         </p:txBody>
       </p:sp>
@@ -1146,6 +2138,345 @@
     <p:extLst>
       <p:ext uri="{BB962C8B-B14F-4D97-AF65-F5344CB8AC3E}">
         <p14:creationId xmlns:p14="http://schemas.microsoft.com/office/powerpoint/2010/main" val="1989333818"/>
+      </p:ext>
+    </p:extLst>
+  </p:cSld>
+  <p:clrMapOvr>
+    <a:masterClrMapping/>
+  </p:clrMapOvr>
+</p:notes>
+</file>
+
+<file path=ppt/notesSlides/notesSlide20.xml><?xml version="1.0" encoding="utf-8"?>
+<p:notes xmlns:a="http://schemas.openxmlformats.org/drawingml/2006/main" xmlns:r="http://schemas.openxmlformats.org/officeDocument/2006/relationships" xmlns:p="http://schemas.openxmlformats.org/presentationml/2006/main">
+  <p:cSld>
+    <p:spTree>
+      <p:nvGrpSpPr>
+        <p:cNvPr id="1" name=""/>
+        <p:cNvGrpSpPr/>
+        <p:nvPr/>
+      </p:nvGrpSpPr>
+      <p:grpSpPr>
+        <a:xfrm>
+          <a:off x="0" y="0"/>
+          <a:ext cx="0" cy="0"/>
+          <a:chOff x="0" y="0"/>
+          <a:chExt cx="0" cy="0"/>
+        </a:xfrm>
+      </p:grpSpPr>
+      <p:sp>
+        <p:nvSpPr>
+          <p:cNvPr id="2" name="Slide Image Placeholder 1"/>
+          <p:cNvSpPr>
+            <a:spLocks noGrp="1" noRot="1" noChangeAspect="1"/>
+          </p:cNvSpPr>
+          <p:nvPr>
+            <p:ph type="sldImg"/>
+          </p:nvPr>
+        </p:nvSpPr>
+        <p:spPr/>
+      </p:sp>
+      <p:sp>
+        <p:nvSpPr>
+          <p:cNvPr id="3" name="Notes Placeholder 2"/>
+          <p:cNvSpPr>
+            <a:spLocks noGrp="1"/>
+          </p:cNvSpPr>
+          <p:nvPr>
+            <p:ph type="body" idx="1"/>
+          </p:nvPr>
+        </p:nvSpPr>
+        <p:spPr/>
+        <p:txBody>
+          <a:bodyPr/>
+          <a:lstStyle/>
+          <a:p>
+            <a:endParaRPr lang="en-US"/>
+          </a:p>
+        </p:txBody>
+      </p:sp>
+      <p:sp>
+        <p:nvSpPr>
+          <p:cNvPr id="4" name="Date Placeholder 3"/>
+          <p:cNvSpPr>
+            <a:spLocks noGrp="1"/>
+          </p:cNvSpPr>
+          <p:nvPr>
+            <p:ph type="dt" idx="10"/>
+          </p:nvPr>
+        </p:nvSpPr>
+        <p:spPr/>
+        <p:txBody>
+          <a:bodyPr/>
+          <a:lstStyle/>
+          <a:p>
+            <a:pPr>
+              <a:defRPr/>
+            </a:pPr>
+            <a:r>
+              <a:rPr lang="en-US" smtClean="0"/>
+              <a:t>Chef Software, Inc.</a:t>
+            </a:r>
+            <a:endParaRPr lang="en-US" dirty="0"/>
+          </a:p>
+        </p:txBody>
+      </p:sp>
+      <p:sp>
+        <p:nvSpPr>
+          <p:cNvPr id="5" name="Header Placeholder 4"/>
+          <p:cNvSpPr>
+            <a:spLocks noGrp="1"/>
+          </p:cNvSpPr>
+          <p:nvPr>
+            <p:ph type="hdr" sz="quarter" idx="11"/>
+          </p:nvPr>
+        </p:nvSpPr>
+        <p:spPr/>
+        <p:txBody>
+          <a:bodyPr/>
+          <a:lstStyle/>
+          <a:p>
+            <a:pPr>
+              <a:defRPr/>
+            </a:pPr>
+            <a:r>
+              <a:rPr lang="en-US" smtClean="0"/>
+              <a:t>Extending Cookbooks</a:t>
+            </a:r>
+            <a:endParaRPr lang="en-US"/>
+          </a:p>
+        </p:txBody>
+      </p:sp>
+    </p:spTree>
+    <p:extLst>
+      <p:ext uri="{BB962C8B-B14F-4D97-AF65-F5344CB8AC3E}">
+        <p14:creationId xmlns:p14="http://schemas.microsoft.com/office/powerpoint/2010/main" val="716701317"/>
+      </p:ext>
+    </p:extLst>
+  </p:cSld>
+  <p:clrMapOvr>
+    <a:masterClrMapping/>
+  </p:clrMapOvr>
+</p:notes>
+</file>
+
+<file path=ppt/notesSlides/notesSlide21.xml><?xml version="1.0" encoding="utf-8"?>
+<p:notes xmlns:a="http://schemas.openxmlformats.org/drawingml/2006/main" xmlns:r="http://schemas.openxmlformats.org/officeDocument/2006/relationships" xmlns:p="http://schemas.openxmlformats.org/presentationml/2006/main">
+  <p:cSld>
+    <p:spTree>
+      <p:nvGrpSpPr>
+        <p:cNvPr id="1" name=""/>
+        <p:cNvGrpSpPr/>
+        <p:nvPr/>
+      </p:nvGrpSpPr>
+      <p:grpSpPr>
+        <a:xfrm>
+          <a:off x="0" y="0"/>
+          <a:ext cx="0" cy="0"/>
+          <a:chOff x="0" y="0"/>
+          <a:chExt cx="0" cy="0"/>
+        </a:xfrm>
+      </p:grpSpPr>
+      <p:sp>
+        <p:nvSpPr>
+          <p:cNvPr id="2" name="Slide Image Placeholder 1"/>
+          <p:cNvSpPr>
+            <a:spLocks noGrp="1" noRot="1" noChangeAspect="1"/>
+          </p:cNvSpPr>
+          <p:nvPr>
+            <p:ph type="sldImg"/>
+          </p:nvPr>
+        </p:nvSpPr>
+        <p:spPr/>
+      </p:sp>
+      <p:sp>
+        <p:nvSpPr>
+          <p:cNvPr id="3" name="Notes Placeholder 2"/>
+          <p:cNvSpPr>
+            <a:spLocks noGrp="1"/>
+          </p:cNvSpPr>
+          <p:nvPr>
+            <p:ph type="body" idx="1"/>
+          </p:nvPr>
+        </p:nvSpPr>
+        <p:spPr/>
+        <p:txBody>
+          <a:bodyPr/>
+          <a:lstStyle/>
+          <a:p>
+            <a:endParaRPr lang="en-US"/>
+          </a:p>
+        </p:txBody>
+      </p:sp>
+      <p:sp>
+        <p:nvSpPr>
+          <p:cNvPr id="4" name="Date Placeholder 3"/>
+          <p:cNvSpPr>
+            <a:spLocks noGrp="1"/>
+          </p:cNvSpPr>
+          <p:nvPr>
+            <p:ph type="dt" idx="10"/>
+          </p:nvPr>
+        </p:nvSpPr>
+        <p:spPr/>
+        <p:txBody>
+          <a:bodyPr/>
+          <a:lstStyle/>
+          <a:p>
+            <a:pPr>
+              <a:defRPr/>
+            </a:pPr>
+            <a:r>
+              <a:rPr lang="en-US" smtClean="0"/>
+              <a:t>Chef Software, Inc.</a:t>
+            </a:r>
+            <a:endParaRPr lang="en-US" dirty="0"/>
+          </a:p>
+        </p:txBody>
+      </p:sp>
+      <p:sp>
+        <p:nvSpPr>
+          <p:cNvPr id="5" name="Header Placeholder 4"/>
+          <p:cNvSpPr>
+            <a:spLocks noGrp="1"/>
+          </p:cNvSpPr>
+          <p:nvPr>
+            <p:ph type="hdr" sz="quarter" idx="11"/>
+          </p:nvPr>
+        </p:nvSpPr>
+        <p:spPr/>
+        <p:txBody>
+          <a:bodyPr/>
+          <a:lstStyle/>
+          <a:p>
+            <a:pPr>
+              <a:defRPr/>
+            </a:pPr>
+            <a:r>
+              <a:rPr lang="en-US" smtClean="0"/>
+              <a:t>Extending Cookbooks</a:t>
+            </a:r>
+            <a:endParaRPr lang="en-US"/>
+          </a:p>
+        </p:txBody>
+      </p:sp>
+    </p:spTree>
+    <p:extLst>
+      <p:ext uri="{BB962C8B-B14F-4D97-AF65-F5344CB8AC3E}">
+        <p14:creationId xmlns:p14="http://schemas.microsoft.com/office/powerpoint/2010/main" val="1179805278"/>
+      </p:ext>
+    </p:extLst>
+  </p:cSld>
+  <p:clrMapOvr>
+    <a:masterClrMapping/>
+  </p:clrMapOvr>
+</p:notes>
+</file>
+
+<file path=ppt/notesSlides/notesSlide22.xml><?xml version="1.0" encoding="utf-8"?>
+<p:notes xmlns:a="http://schemas.openxmlformats.org/drawingml/2006/main" xmlns:r="http://schemas.openxmlformats.org/officeDocument/2006/relationships" xmlns:p="http://schemas.openxmlformats.org/presentationml/2006/main">
+  <p:cSld>
+    <p:spTree>
+      <p:nvGrpSpPr>
+        <p:cNvPr id="1" name=""/>
+        <p:cNvGrpSpPr/>
+        <p:nvPr/>
+      </p:nvGrpSpPr>
+      <p:grpSpPr>
+        <a:xfrm>
+          <a:off x="0" y="0"/>
+          <a:ext cx="0" cy="0"/>
+          <a:chOff x="0" y="0"/>
+          <a:chExt cx="0" cy="0"/>
+        </a:xfrm>
+      </p:grpSpPr>
+      <p:sp>
+        <p:nvSpPr>
+          <p:cNvPr id="2" name="Slide Image Placeholder 1"/>
+          <p:cNvSpPr>
+            <a:spLocks noGrp="1" noRot="1" noChangeAspect="1"/>
+          </p:cNvSpPr>
+          <p:nvPr>
+            <p:ph type="sldImg"/>
+          </p:nvPr>
+        </p:nvSpPr>
+        <p:spPr/>
+      </p:sp>
+      <p:sp>
+        <p:nvSpPr>
+          <p:cNvPr id="3" name="Notes Placeholder 2"/>
+          <p:cNvSpPr>
+            <a:spLocks noGrp="1"/>
+          </p:cNvSpPr>
+          <p:nvPr>
+            <p:ph type="body" idx="1"/>
+          </p:nvPr>
+        </p:nvSpPr>
+        <p:spPr/>
+        <p:txBody>
+          <a:bodyPr/>
+          <a:lstStyle/>
+          <a:p>
+            <a:endParaRPr lang="en-US"/>
+          </a:p>
+        </p:txBody>
+      </p:sp>
+      <p:sp>
+        <p:nvSpPr>
+          <p:cNvPr id="4" name="Date Placeholder 3"/>
+          <p:cNvSpPr>
+            <a:spLocks noGrp="1"/>
+          </p:cNvSpPr>
+          <p:nvPr>
+            <p:ph type="dt" idx="10"/>
+          </p:nvPr>
+        </p:nvSpPr>
+        <p:spPr/>
+        <p:txBody>
+          <a:bodyPr/>
+          <a:lstStyle/>
+          <a:p>
+            <a:pPr>
+              <a:defRPr/>
+            </a:pPr>
+            <a:r>
+              <a:rPr lang="en-US" smtClean="0"/>
+              <a:t>Chef Software, Inc.</a:t>
+            </a:r>
+            <a:endParaRPr lang="en-US" dirty="0"/>
+          </a:p>
+        </p:txBody>
+      </p:sp>
+      <p:sp>
+        <p:nvSpPr>
+          <p:cNvPr id="5" name="Header Placeholder 4"/>
+          <p:cNvSpPr>
+            <a:spLocks noGrp="1"/>
+          </p:cNvSpPr>
+          <p:nvPr>
+            <p:ph type="hdr" sz="quarter" idx="11"/>
+          </p:nvPr>
+        </p:nvSpPr>
+        <p:spPr/>
+        <p:txBody>
+          <a:bodyPr/>
+          <a:lstStyle/>
+          <a:p>
+            <a:pPr>
+              <a:defRPr/>
+            </a:pPr>
+            <a:r>
+              <a:rPr lang="en-US" smtClean="0"/>
+              <a:t>Extending Cookbooks</a:t>
+            </a:r>
+            <a:endParaRPr lang="en-US"/>
+          </a:p>
+        </p:txBody>
+      </p:sp>
+    </p:spTree>
+    <p:extLst>
+      <p:ext uri="{BB962C8B-B14F-4D97-AF65-F5344CB8AC3E}">
+        <p14:creationId xmlns:p14="http://schemas.microsoft.com/office/powerpoint/2010/main" val="452240185"/>
       </p:ext>
     </p:extLst>
   </p:cSld>
@@ -1199,6 +2530,232 @@
           <a:bodyPr/>
           <a:lstStyle/>
           <a:p>
+            <a:endParaRPr lang="en-US"/>
+          </a:p>
+        </p:txBody>
+      </p:sp>
+      <p:sp>
+        <p:nvSpPr>
+          <p:cNvPr id="4" name="Date Placeholder 3"/>
+          <p:cNvSpPr>
+            <a:spLocks noGrp="1"/>
+          </p:cNvSpPr>
+          <p:nvPr>
+            <p:ph type="dt" idx="10"/>
+          </p:nvPr>
+        </p:nvSpPr>
+        <p:spPr/>
+        <p:txBody>
+          <a:bodyPr/>
+          <a:lstStyle/>
+          <a:p>
+            <a:pPr>
+              <a:defRPr/>
+            </a:pPr>
+            <a:r>
+              <a:rPr lang="en-US" smtClean="0"/>
+              <a:t>Chef Software, Inc.</a:t>
+            </a:r>
+            <a:endParaRPr lang="en-US" dirty="0"/>
+          </a:p>
+        </p:txBody>
+      </p:sp>
+      <p:sp>
+        <p:nvSpPr>
+          <p:cNvPr id="5" name="Header Placeholder 4"/>
+          <p:cNvSpPr>
+            <a:spLocks noGrp="1"/>
+          </p:cNvSpPr>
+          <p:nvPr>
+            <p:ph type="hdr" sz="quarter" idx="11"/>
+          </p:nvPr>
+        </p:nvSpPr>
+        <p:spPr/>
+        <p:txBody>
+          <a:bodyPr/>
+          <a:lstStyle/>
+          <a:p>
+            <a:pPr>
+              <a:defRPr/>
+            </a:pPr>
+            <a:r>
+              <a:rPr lang="en-US" smtClean="0"/>
+              <a:t>Extending Cookbooks</a:t>
+            </a:r>
+            <a:endParaRPr lang="en-US"/>
+          </a:p>
+        </p:txBody>
+      </p:sp>
+    </p:spTree>
+    <p:extLst>
+      <p:ext uri="{BB962C8B-B14F-4D97-AF65-F5344CB8AC3E}">
+        <p14:creationId xmlns:p14="http://schemas.microsoft.com/office/powerpoint/2010/main" val="1182321994"/>
+      </p:ext>
+    </p:extLst>
+  </p:cSld>
+  <p:clrMapOvr>
+    <a:masterClrMapping/>
+  </p:clrMapOvr>
+</p:notes>
+</file>
+
+<file path=ppt/notesSlides/notesSlide4.xml><?xml version="1.0" encoding="utf-8"?>
+<p:notes xmlns:a="http://schemas.openxmlformats.org/drawingml/2006/main" xmlns:r="http://schemas.openxmlformats.org/officeDocument/2006/relationships" xmlns:p="http://schemas.openxmlformats.org/presentationml/2006/main">
+  <p:cSld>
+    <p:spTree>
+      <p:nvGrpSpPr>
+        <p:cNvPr id="1" name=""/>
+        <p:cNvGrpSpPr/>
+        <p:nvPr/>
+      </p:nvGrpSpPr>
+      <p:grpSpPr>
+        <a:xfrm>
+          <a:off x="0" y="0"/>
+          <a:ext cx="0" cy="0"/>
+          <a:chOff x="0" y="0"/>
+          <a:chExt cx="0" cy="0"/>
+        </a:xfrm>
+      </p:grpSpPr>
+      <p:sp>
+        <p:nvSpPr>
+          <p:cNvPr id="2" name="Slide Image Placeholder 1"/>
+          <p:cNvSpPr>
+            <a:spLocks noGrp="1" noRot="1" noChangeAspect="1"/>
+          </p:cNvSpPr>
+          <p:nvPr>
+            <p:ph type="sldImg"/>
+          </p:nvPr>
+        </p:nvSpPr>
+        <p:spPr/>
+      </p:sp>
+      <p:sp>
+        <p:nvSpPr>
+          <p:cNvPr id="3" name="Notes Placeholder 2"/>
+          <p:cNvSpPr>
+            <a:spLocks noGrp="1"/>
+          </p:cNvSpPr>
+          <p:nvPr>
+            <p:ph type="body" idx="1"/>
+          </p:nvPr>
+        </p:nvSpPr>
+        <p:spPr/>
+        <p:txBody>
+          <a:bodyPr/>
+          <a:lstStyle/>
+          <a:p>
+            <a:endParaRPr lang="en-US"/>
+          </a:p>
+        </p:txBody>
+      </p:sp>
+      <p:sp>
+        <p:nvSpPr>
+          <p:cNvPr id="4" name="Date Placeholder 3"/>
+          <p:cNvSpPr>
+            <a:spLocks noGrp="1"/>
+          </p:cNvSpPr>
+          <p:nvPr>
+            <p:ph type="dt" idx="10"/>
+          </p:nvPr>
+        </p:nvSpPr>
+        <p:spPr/>
+        <p:txBody>
+          <a:bodyPr/>
+          <a:lstStyle/>
+          <a:p>
+            <a:pPr>
+              <a:defRPr/>
+            </a:pPr>
+            <a:r>
+              <a:rPr lang="en-US" smtClean="0"/>
+              <a:t>Chef Software, Inc.</a:t>
+            </a:r>
+            <a:endParaRPr lang="en-US" dirty="0"/>
+          </a:p>
+        </p:txBody>
+      </p:sp>
+      <p:sp>
+        <p:nvSpPr>
+          <p:cNvPr id="5" name="Header Placeholder 4"/>
+          <p:cNvSpPr>
+            <a:spLocks noGrp="1"/>
+          </p:cNvSpPr>
+          <p:nvPr>
+            <p:ph type="hdr" sz="quarter" idx="11"/>
+          </p:nvPr>
+        </p:nvSpPr>
+        <p:spPr/>
+        <p:txBody>
+          <a:bodyPr/>
+          <a:lstStyle/>
+          <a:p>
+            <a:pPr>
+              <a:defRPr/>
+            </a:pPr>
+            <a:r>
+              <a:rPr lang="en-US" smtClean="0"/>
+              <a:t>Extending Cookbooks</a:t>
+            </a:r>
+            <a:endParaRPr lang="en-US"/>
+          </a:p>
+        </p:txBody>
+      </p:sp>
+    </p:spTree>
+    <p:extLst>
+      <p:ext uri="{BB962C8B-B14F-4D97-AF65-F5344CB8AC3E}">
+        <p14:creationId xmlns:p14="http://schemas.microsoft.com/office/powerpoint/2010/main" val="460944785"/>
+      </p:ext>
+    </p:extLst>
+  </p:cSld>
+  <p:clrMapOvr>
+    <a:masterClrMapping/>
+  </p:clrMapOvr>
+</p:notes>
+</file>
+
+<file path=ppt/notesSlides/notesSlide5.xml><?xml version="1.0" encoding="utf-8"?>
+<p:notes xmlns:a="http://schemas.openxmlformats.org/drawingml/2006/main" xmlns:r="http://schemas.openxmlformats.org/officeDocument/2006/relationships" xmlns:p="http://schemas.openxmlformats.org/presentationml/2006/main">
+  <p:cSld>
+    <p:spTree>
+      <p:nvGrpSpPr>
+        <p:cNvPr id="1" name=""/>
+        <p:cNvGrpSpPr/>
+        <p:nvPr/>
+      </p:nvGrpSpPr>
+      <p:grpSpPr>
+        <a:xfrm>
+          <a:off x="0" y="0"/>
+          <a:ext cx="0" cy="0"/>
+          <a:chOff x="0" y="0"/>
+          <a:chExt cx="0" cy="0"/>
+        </a:xfrm>
+      </p:grpSpPr>
+      <p:sp>
+        <p:nvSpPr>
+          <p:cNvPr id="2" name="Slide Image Placeholder 1"/>
+          <p:cNvSpPr>
+            <a:spLocks noGrp="1" noRot="1" noChangeAspect="1"/>
+          </p:cNvSpPr>
+          <p:nvPr>
+            <p:ph type="sldImg"/>
+          </p:nvPr>
+        </p:nvSpPr>
+        <p:spPr/>
+      </p:sp>
+      <p:sp>
+        <p:nvSpPr>
+          <p:cNvPr id="3" name="Notes Placeholder 2"/>
+          <p:cNvSpPr>
+            <a:spLocks noGrp="1"/>
+          </p:cNvSpPr>
+          <p:nvPr>
+            <p:ph type="body" idx="1"/>
+          </p:nvPr>
+        </p:nvSpPr>
+        <p:spPr/>
+        <p:txBody>
+          <a:bodyPr/>
+          <a:lstStyle/>
+          <a:p>
             <a:pPr marL="0" marR="0" indent="0" algn="l" defTabSz="1217613" rtl="0" eaLnBrk="1" fontAlgn="base" latinLnBrk="0" hangingPunct="1">
               <a:lnSpc>
                 <a:spcPct val="90000"/>
@@ -1222,12 +2779,12 @@
       </p:sp>
       <p:sp>
         <p:nvSpPr>
-          <p:cNvPr id="4" name="Slide Number Placeholder 3"/>
-          <p:cNvSpPr>
-            <a:spLocks noGrp="1"/>
-          </p:cNvSpPr>
-          <p:nvPr>
-            <p:ph type="sldNum" sz="quarter" idx="10"/>
+          <p:cNvPr id="5" name="Header Placeholder 4"/>
+          <p:cNvSpPr>
+            <a:spLocks noGrp="1"/>
+          </p:cNvSpPr>
+          <p:nvPr>
+            <p:ph type="hdr" sz="quarter" idx="11"/>
           </p:nvPr>
         </p:nvSpPr>
         <p:spPr/>
@@ -1238,25 +2795,22 @@
             <a:pPr>
               <a:defRPr/>
             </a:pPr>
-            <a:fld id="{DC3734AA-3150-D947-AC52-2F5DF48BFCD5}" type="slidenum">
+            <a:r>
               <a:rPr lang="en-US" smtClean="0"/>
-              <a:pPr>
-                <a:defRPr/>
-              </a:pPr>
-              <a:t>5</a:t>
-            </a:fld>
-            <a:endParaRPr lang="en-US" dirty="0"/>
-          </a:p>
-        </p:txBody>
-      </p:sp>
-      <p:sp>
-        <p:nvSpPr>
-          <p:cNvPr id="5" name="Header Placeholder 4"/>
-          <p:cNvSpPr>
-            <a:spLocks noGrp="1"/>
-          </p:cNvSpPr>
-          <p:nvPr>
-            <p:ph type="hdr" sz="quarter" idx="11"/>
+              <a:t>Extending Cookbooks</a:t>
+            </a:r>
+            <a:endParaRPr lang="en-US"/>
+          </a:p>
+        </p:txBody>
+      </p:sp>
+      <p:sp>
+        <p:nvSpPr>
+          <p:cNvPr id="7" name="Date Placeholder 6"/>
+          <p:cNvSpPr>
+            <a:spLocks noGrp="1"/>
+          </p:cNvSpPr>
+          <p:nvPr>
+            <p:ph type="dt" idx="13"/>
           </p:nvPr>
         </p:nvSpPr>
         <p:spPr/>
@@ -1267,29 +2821,11 @@
             <a:pPr>
               <a:defRPr/>
             </a:pPr>
-            <a:endParaRPr lang="en-US"/>
-          </a:p>
-        </p:txBody>
-      </p:sp>
-      <p:sp>
-        <p:nvSpPr>
-          <p:cNvPr id="6" name="Footer Placeholder 5"/>
-          <p:cNvSpPr>
-            <a:spLocks noGrp="1"/>
-          </p:cNvSpPr>
-          <p:nvPr>
-            <p:ph type="ftr" sz="quarter" idx="12"/>
-          </p:nvPr>
-        </p:nvSpPr>
-        <p:spPr/>
-        <p:txBody>
-          <a:bodyPr/>
-          <a:lstStyle/>
-          <a:p>
-            <a:pPr>
-              <a:defRPr/>
-            </a:pPr>
-            <a:endParaRPr lang="en-US"/>
+            <a:r>
+              <a:rPr lang="en-US" smtClean="0"/>
+              <a:t>Chef Software, Inc.</a:t>
+            </a:r>
+            <a:endParaRPr lang="en-US" dirty="0"/>
           </a:p>
         </p:txBody>
       </p:sp>
@@ -1297,6 +2833,458 @@
     <p:extLst>
       <p:ext uri="{BB962C8B-B14F-4D97-AF65-F5344CB8AC3E}">
         <p14:creationId xmlns:p14="http://schemas.microsoft.com/office/powerpoint/2010/main" val="118134829"/>
+      </p:ext>
+    </p:extLst>
+  </p:cSld>
+  <p:clrMapOvr>
+    <a:masterClrMapping/>
+  </p:clrMapOvr>
+</p:notes>
+</file>
+
+<file path=ppt/notesSlides/notesSlide6.xml><?xml version="1.0" encoding="utf-8"?>
+<p:notes xmlns:a="http://schemas.openxmlformats.org/drawingml/2006/main" xmlns:r="http://schemas.openxmlformats.org/officeDocument/2006/relationships" xmlns:p="http://schemas.openxmlformats.org/presentationml/2006/main">
+  <p:cSld>
+    <p:spTree>
+      <p:nvGrpSpPr>
+        <p:cNvPr id="1" name=""/>
+        <p:cNvGrpSpPr/>
+        <p:nvPr/>
+      </p:nvGrpSpPr>
+      <p:grpSpPr>
+        <a:xfrm>
+          <a:off x="0" y="0"/>
+          <a:ext cx="0" cy="0"/>
+          <a:chOff x="0" y="0"/>
+          <a:chExt cx="0" cy="0"/>
+        </a:xfrm>
+      </p:grpSpPr>
+      <p:sp>
+        <p:nvSpPr>
+          <p:cNvPr id="2" name="Slide Image Placeholder 1"/>
+          <p:cNvSpPr>
+            <a:spLocks noGrp="1" noRot="1" noChangeAspect="1"/>
+          </p:cNvSpPr>
+          <p:nvPr>
+            <p:ph type="sldImg"/>
+          </p:nvPr>
+        </p:nvSpPr>
+        <p:spPr/>
+      </p:sp>
+      <p:sp>
+        <p:nvSpPr>
+          <p:cNvPr id="3" name="Notes Placeholder 2"/>
+          <p:cNvSpPr>
+            <a:spLocks noGrp="1"/>
+          </p:cNvSpPr>
+          <p:nvPr>
+            <p:ph type="body" idx="1"/>
+          </p:nvPr>
+        </p:nvSpPr>
+        <p:spPr/>
+        <p:txBody>
+          <a:bodyPr/>
+          <a:lstStyle/>
+          <a:p>
+            <a:endParaRPr lang="en-US"/>
+          </a:p>
+        </p:txBody>
+      </p:sp>
+      <p:sp>
+        <p:nvSpPr>
+          <p:cNvPr id="4" name="Date Placeholder 3"/>
+          <p:cNvSpPr>
+            <a:spLocks noGrp="1"/>
+          </p:cNvSpPr>
+          <p:nvPr>
+            <p:ph type="dt" idx="10"/>
+          </p:nvPr>
+        </p:nvSpPr>
+        <p:spPr/>
+        <p:txBody>
+          <a:bodyPr/>
+          <a:lstStyle/>
+          <a:p>
+            <a:pPr>
+              <a:defRPr/>
+            </a:pPr>
+            <a:r>
+              <a:rPr lang="en-US" smtClean="0"/>
+              <a:t>Chef Software, Inc.</a:t>
+            </a:r>
+            <a:endParaRPr lang="en-US" dirty="0"/>
+          </a:p>
+        </p:txBody>
+      </p:sp>
+      <p:sp>
+        <p:nvSpPr>
+          <p:cNvPr id="5" name="Header Placeholder 4"/>
+          <p:cNvSpPr>
+            <a:spLocks noGrp="1"/>
+          </p:cNvSpPr>
+          <p:nvPr>
+            <p:ph type="hdr" sz="quarter" idx="11"/>
+          </p:nvPr>
+        </p:nvSpPr>
+        <p:spPr/>
+        <p:txBody>
+          <a:bodyPr/>
+          <a:lstStyle/>
+          <a:p>
+            <a:pPr>
+              <a:defRPr/>
+            </a:pPr>
+            <a:r>
+              <a:rPr lang="en-US" smtClean="0"/>
+              <a:t>Extending Cookbooks</a:t>
+            </a:r>
+            <a:endParaRPr lang="en-US"/>
+          </a:p>
+        </p:txBody>
+      </p:sp>
+    </p:spTree>
+    <p:extLst>
+      <p:ext uri="{BB962C8B-B14F-4D97-AF65-F5344CB8AC3E}">
+        <p14:creationId xmlns:p14="http://schemas.microsoft.com/office/powerpoint/2010/main" val="1511820537"/>
+      </p:ext>
+    </p:extLst>
+  </p:cSld>
+  <p:clrMapOvr>
+    <a:masterClrMapping/>
+  </p:clrMapOvr>
+</p:notes>
+</file>
+
+<file path=ppt/notesSlides/notesSlide7.xml><?xml version="1.0" encoding="utf-8"?>
+<p:notes xmlns:a="http://schemas.openxmlformats.org/drawingml/2006/main" xmlns:r="http://schemas.openxmlformats.org/officeDocument/2006/relationships" xmlns:p="http://schemas.openxmlformats.org/presentationml/2006/main">
+  <p:cSld>
+    <p:spTree>
+      <p:nvGrpSpPr>
+        <p:cNvPr id="1" name=""/>
+        <p:cNvGrpSpPr/>
+        <p:nvPr/>
+      </p:nvGrpSpPr>
+      <p:grpSpPr>
+        <a:xfrm>
+          <a:off x="0" y="0"/>
+          <a:ext cx="0" cy="0"/>
+          <a:chOff x="0" y="0"/>
+          <a:chExt cx="0" cy="0"/>
+        </a:xfrm>
+      </p:grpSpPr>
+      <p:sp>
+        <p:nvSpPr>
+          <p:cNvPr id="2" name="Slide Image Placeholder 1"/>
+          <p:cNvSpPr>
+            <a:spLocks noGrp="1" noRot="1" noChangeAspect="1"/>
+          </p:cNvSpPr>
+          <p:nvPr>
+            <p:ph type="sldImg"/>
+          </p:nvPr>
+        </p:nvSpPr>
+        <p:spPr/>
+      </p:sp>
+      <p:sp>
+        <p:nvSpPr>
+          <p:cNvPr id="3" name="Notes Placeholder 2"/>
+          <p:cNvSpPr>
+            <a:spLocks noGrp="1"/>
+          </p:cNvSpPr>
+          <p:nvPr>
+            <p:ph type="body" idx="1"/>
+          </p:nvPr>
+        </p:nvSpPr>
+        <p:spPr/>
+        <p:txBody>
+          <a:bodyPr/>
+          <a:lstStyle/>
+          <a:p>
+            <a:endParaRPr lang="en-US"/>
+          </a:p>
+        </p:txBody>
+      </p:sp>
+      <p:sp>
+        <p:nvSpPr>
+          <p:cNvPr id="4" name="Date Placeholder 3"/>
+          <p:cNvSpPr>
+            <a:spLocks noGrp="1"/>
+          </p:cNvSpPr>
+          <p:nvPr>
+            <p:ph type="dt" idx="10"/>
+          </p:nvPr>
+        </p:nvSpPr>
+        <p:spPr/>
+        <p:txBody>
+          <a:bodyPr/>
+          <a:lstStyle/>
+          <a:p>
+            <a:pPr>
+              <a:defRPr/>
+            </a:pPr>
+            <a:r>
+              <a:rPr lang="en-US" smtClean="0"/>
+              <a:t>Chef Software, Inc.</a:t>
+            </a:r>
+            <a:endParaRPr lang="en-US" dirty="0"/>
+          </a:p>
+        </p:txBody>
+      </p:sp>
+      <p:sp>
+        <p:nvSpPr>
+          <p:cNvPr id="5" name="Header Placeholder 4"/>
+          <p:cNvSpPr>
+            <a:spLocks noGrp="1"/>
+          </p:cNvSpPr>
+          <p:nvPr>
+            <p:ph type="hdr" sz="quarter" idx="11"/>
+          </p:nvPr>
+        </p:nvSpPr>
+        <p:spPr/>
+        <p:txBody>
+          <a:bodyPr/>
+          <a:lstStyle/>
+          <a:p>
+            <a:pPr>
+              <a:defRPr/>
+            </a:pPr>
+            <a:r>
+              <a:rPr lang="en-US" smtClean="0"/>
+              <a:t>Extending Cookbooks</a:t>
+            </a:r>
+            <a:endParaRPr lang="en-US"/>
+          </a:p>
+        </p:txBody>
+      </p:sp>
+    </p:spTree>
+    <p:extLst>
+      <p:ext uri="{BB962C8B-B14F-4D97-AF65-F5344CB8AC3E}">
+        <p14:creationId xmlns:p14="http://schemas.microsoft.com/office/powerpoint/2010/main" val="2063631180"/>
+      </p:ext>
+    </p:extLst>
+  </p:cSld>
+  <p:clrMapOvr>
+    <a:masterClrMapping/>
+  </p:clrMapOvr>
+</p:notes>
+</file>
+
+<file path=ppt/notesSlides/notesSlide8.xml><?xml version="1.0" encoding="utf-8"?>
+<p:notes xmlns:a="http://schemas.openxmlformats.org/drawingml/2006/main" xmlns:r="http://schemas.openxmlformats.org/officeDocument/2006/relationships" xmlns:p="http://schemas.openxmlformats.org/presentationml/2006/main">
+  <p:cSld>
+    <p:spTree>
+      <p:nvGrpSpPr>
+        <p:cNvPr id="1" name=""/>
+        <p:cNvGrpSpPr/>
+        <p:nvPr/>
+      </p:nvGrpSpPr>
+      <p:grpSpPr>
+        <a:xfrm>
+          <a:off x="0" y="0"/>
+          <a:ext cx="0" cy="0"/>
+          <a:chOff x="0" y="0"/>
+          <a:chExt cx="0" cy="0"/>
+        </a:xfrm>
+      </p:grpSpPr>
+      <p:sp>
+        <p:nvSpPr>
+          <p:cNvPr id="2" name="Slide Image Placeholder 1"/>
+          <p:cNvSpPr>
+            <a:spLocks noGrp="1" noRot="1" noChangeAspect="1"/>
+          </p:cNvSpPr>
+          <p:nvPr>
+            <p:ph type="sldImg"/>
+          </p:nvPr>
+        </p:nvSpPr>
+        <p:spPr/>
+      </p:sp>
+      <p:sp>
+        <p:nvSpPr>
+          <p:cNvPr id="3" name="Notes Placeholder 2"/>
+          <p:cNvSpPr>
+            <a:spLocks noGrp="1"/>
+          </p:cNvSpPr>
+          <p:nvPr>
+            <p:ph type="body" idx="1"/>
+          </p:nvPr>
+        </p:nvSpPr>
+        <p:spPr/>
+        <p:txBody>
+          <a:bodyPr/>
+          <a:lstStyle/>
+          <a:p>
+            <a:endParaRPr lang="en-US"/>
+          </a:p>
+        </p:txBody>
+      </p:sp>
+      <p:sp>
+        <p:nvSpPr>
+          <p:cNvPr id="4" name="Date Placeholder 3"/>
+          <p:cNvSpPr>
+            <a:spLocks noGrp="1"/>
+          </p:cNvSpPr>
+          <p:nvPr>
+            <p:ph type="dt" idx="10"/>
+          </p:nvPr>
+        </p:nvSpPr>
+        <p:spPr/>
+        <p:txBody>
+          <a:bodyPr/>
+          <a:lstStyle/>
+          <a:p>
+            <a:pPr>
+              <a:defRPr/>
+            </a:pPr>
+            <a:r>
+              <a:rPr lang="en-US" smtClean="0"/>
+              <a:t>Chef Software, Inc.</a:t>
+            </a:r>
+            <a:endParaRPr lang="en-US" dirty="0"/>
+          </a:p>
+        </p:txBody>
+      </p:sp>
+      <p:sp>
+        <p:nvSpPr>
+          <p:cNvPr id="5" name="Header Placeholder 4"/>
+          <p:cNvSpPr>
+            <a:spLocks noGrp="1"/>
+          </p:cNvSpPr>
+          <p:nvPr>
+            <p:ph type="hdr" sz="quarter" idx="11"/>
+          </p:nvPr>
+        </p:nvSpPr>
+        <p:spPr/>
+        <p:txBody>
+          <a:bodyPr/>
+          <a:lstStyle/>
+          <a:p>
+            <a:pPr>
+              <a:defRPr/>
+            </a:pPr>
+            <a:r>
+              <a:rPr lang="en-US" smtClean="0"/>
+              <a:t>Extending Cookbooks</a:t>
+            </a:r>
+            <a:endParaRPr lang="en-US"/>
+          </a:p>
+        </p:txBody>
+      </p:sp>
+    </p:spTree>
+    <p:extLst>
+      <p:ext uri="{BB962C8B-B14F-4D97-AF65-F5344CB8AC3E}">
+        <p14:creationId xmlns:p14="http://schemas.microsoft.com/office/powerpoint/2010/main" val="1407925946"/>
+      </p:ext>
+    </p:extLst>
+  </p:cSld>
+  <p:clrMapOvr>
+    <a:masterClrMapping/>
+  </p:clrMapOvr>
+</p:notes>
+</file>
+
+<file path=ppt/notesSlides/notesSlide9.xml><?xml version="1.0" encoding="utf-8"?>
+<p:notes xmlns:a="http://schemas.openxmlformats.org/drawingml/2006/main" xmlns:r="http://schemas.openxmlformats.org/officeDocument/2006/relationships" xmlns:p="http://schemas.openxmlformats.org/presentationml/2006/main">
+  <p:cSld>
+    <p:spTree>
+      <p:nvGrpSpPr>
+        <p:cNvPr id="1" name=""/>
+        <p:cNvGrpSpPr/>
+        <p:nvPr/>
+      </p:nvGrpSpPr>
+      <p:grpSpPr>
+        <a:xfrm>
+          <a:off x="0" y="0"/>
+          <a:ext cx="0" cy="0"/>
+          <a:chOff x="0" y="0"/>
+          <a:chExt cx="0" cy="0"/>
+        </a:xfrm>
+      </p:grpSpPr>
+      <p:sp>
+        <p:nvSpPr>
+          <p:cNvPr id="2" name="Slide Image Placeholder 1"/>
+          <p:cNvSpPr>
+            <a:spLocks noGrp="1" noRot="1" noChangeAspect="1"/>
+          </p:cNvSpPr>
+          <p:nvPr>
+            <p:ph type="sldImg"/>
+          </p:nvPr>
+        </p:nvSpPr>
+        <p:spPr/>
+      </p:sp>
+      <p:sp>
+        <p:nvSpPr>
+          <p:cNvPr id="3" name="Notes Placeholder 2"/>
+          <p:cNvSpPr>
+            <a:spLocks noGrp="1"/>
+          </p:cNvSpPr>
+          <p:nvPr>
+            <p:ph type="body" idx="1"/>
+          </p:nvPr>
+        </p:nvSpPr>
+        <p:spPr/>
+        <p:txBody>
+          <a:bodyPr/>
+          <a:lstStyle/>
+          <a:p>
+            <a:endParaRPr lang="en-US"/>
+          </a:p>
+        </p:txBody>
+      </p:sp>
+      <p:sp>
+        <p:nvSpPr>
+          <p:cNvPr id="4" name="Date Placeholder 3"/>
+          <p:cNvSpPr>
+            <a:spLocks noGrp="1"/>
+          </p:cNvSpPr>
+          <p:nvPr>
+            <p:ph type="dt" idx="10"/>
+          </p:nvPr>
+        </p:nvSpPr>
+        <p:spPr/>
+        <p:txBody>
+          <a:bodyPr/>
+          <a:lstStyle/>
+          <a:p>
+            <a:pPr>
+              <a:defRPr/>
+            </a:pPr>
+            <a:r>
+              <a:rPr lang="en-US" smtClean="0"/>
+              <a:t>Chef Software, Inc.</a:t>
+            </a:r>
+            <a:endParaRPr lang="en-US" dirty="0"/>
+          </a:p>
+        </p:txBody>
+      </p:sp>
+      <p:sp>
+        <p:nvSpPr>
+          <p:cNvPr id="5" name="Header Placeholder 4"/>
+          <p:cNvSpPr>
+            <a:spLocks noGrp="1"/>
+          </p:cNvSpPr>
+          <p:nvPr>
+            <p:ph type="hdr" sz="quarter" idx="11"/>
+          </p:nvPr>
+        </p:nvSpPr>
+        <p:spPr/>
+        <p:txBody>
+          <a:bodyPr/>
+          <a:lstStyle/>
+          <a:p>
+            <a:pPr>
+              <a:defRPr/>
+            </a:pPr>
+            <a:r>
+              <a:rPr lang="en-US" smtClean="0"/>
+              <a:t>Extending Cookbooks</a:t>
+            </a:r>
+            <a:endParaRPr lang="en-US"/>
+          </a:p>
+        </p:txBody>
+      </p:sp>
+    </p:spTree>
+    <p:extLst>
+      <p:ext uri="{BB962C8B-B14F-4D97-AF65-F5344CB8AC3E}">
+        <p14:creationId xmlns:p14="http://schemas.microsoft.com/office/powerpoint/2010/main" val="116129372"/>
       </p:ext>
     </p:extLst>
   </p:cSld>
@@ -1871,14 +3859,14 @@
           </a:ln>
           <a:extLst>
             <a:ext uri="{909E8E84-426E-40dd-AFC4-6F175D3DCCD1}">
-              <a14:hiddenFill xmlns:a14="http://schemas.microsoft.com/office/drawing/2010/main" xmlns="">
+              <a14:hiddenFill xmlns="" xmlns:a14="http://schemas.microsoft.com/office/drawing/2010/main">
                 <a:solidFill>
                   <a:srgbClr val="FFFFFF"/>
                 </a:solidFill>
               </a14:hiddenFill>
             </a:ext>
             <a:ext uri="{91240B29-F687-4f45-9708-019B960494DF}">
-              <a14:hiddenLine xmlns:a14="http://schemas.microsoft.com/office/drawing/2010/main" xmlns="" w="9525">
+              <a14:hiddenLine xmlns="" xmlns:a14="http://schemas.microsoft.com/office/drawing/2010/main" w="9525">
                 <a:solidFill>
                   <a:srgbClr val="000000"/>
                 </a:solidFill>
@@ -2026,14 +4014,14 @@
           </a:ln>
           <a:extLst>
             <a:ext uri="{909E8E84-426E-40dd-AFC4-6F175D3DCCD1}">
-              <a14:hiddenFill xmlns:a14="http://schemas.microsoft.com/office/drawing/2010/main" xmlns="">
+              <a14:hiddenFill xmlns="" xmlns:a14="http://schemas.microsoft.com/office/drawing/2010/main">
                 <a:solidFill>
                   <a:srgbClr val="FFFFFF"/>
                 </a:solidFill>
               </a14:hiddenFill>
             </a:ext>
             <a:ext uri="{91240B29-F687-4f45-9708-019B960494DF}">
-              <a14:hiddenLine xmlns:a14="http://schemas.microsoft.com/office/drawing/2010/main" xmlns="" w="9525">
+              <a14:hiddenLine xmlns="" xmlns:a14="http://schemas.microsoft.com/office/drawing/2010/main" w="9525">
                 <a:solidFill>
                   <a:srgbClr val="000000"/>
                 </a:solidFill>
@@ -2524,14 +4512,14 @@
           </a:ln>
           <a:extLst>
             <a:ext uri="{909E8E84-426E-40dd-AFC4-6F175D3DCCD1}">
-              <a14:hiddenFill xmlns:a14="http://schemas.microsoft.com/office/drawing/2010/main" xmlns="">
+              <a14:hiddenFill xmlns="" xmlns:a14="http://schemas.microsoft.com/office/drawing/2010/main">
                 <a:solidFill>
                   <a:srgbClr val="FFFFFF"/>
                 </a:solidFill>
               </a14:hiddenFill>
             </a:ext>
             <a:ext uri="{91240B29-F687-4f45-9708-019B960494DF}">
-              <a14:hiddenLine xmlns:a14="http://schemas.microsoft.com/office/drawing/2010/main" xmlns="" w="9525">
+              <a14:hiddenLine xmlns="" xmlns:a14="http://schemas.microsoft.com/office/drawing/2010/main" w="9525">
                 <a:solidFill>
                   <a:srgbClr val="000000"/>
                 </a:solidFill>
@@ -4267,14 +6255,14 @@
           </a:ln>
           <a:extLst>
             <a:ext uri="{909E8E84-426E-40dd-AFC4-6F175D3DCCD1}">
-              <a14:hiddenFill xmlns:a14="http://schemas.microsoft.com/office/drawing/2010/main" xmlns="">
+              <a14:hiddenFill xmlns="" xmlns:a14="http://schemas.microsoft.com/office/drawing/2010/main">
                 <a:solidFill>
                   <a:srgbClr val="FFFFFF"/>
                 </a:solidFill>
               </a14:hiddenFill>
             </a:ext>
             <a:ext uri="{91240B29-F687-4f45-9708-019B960494DF}">
-              <a14:hiddenLine xmlns:a14="http://schemas.microsoft.com/office/drawing/2010/main" xmlns="" w="9525">
+              <a14:hiddenLine xmlns="" xmlns:a14="http://schemas.microsoft.com/office/drawing/2010/main" w="9525">
                 <a:solidFill>
                   <a:srgbClr val="000000"/>
                 </a:solidFill>
@@ -6108,14 +8096,14 @@
           </a:ln>
           <a:extLst>
             <a:ext uri="{909E8E84-426E-40dd-AFC4-6F175D3DCCD1}">
-              <a14:hiddenFill xmlns:a14="http://schemas.microsoft.com/office/drawing/2010/main" xmlns="">
+              <a14:hiddenFill xmlns="" xmlns:a14="http://schemas.microsoft.com/office/drawing/2010/main">
                 <a:solidFill>
                   <a:srgbClr val="FFFFFF"/>
                 </a:solidFill>
               </a14:hiddenFill>
             </a:ext>
             <a:ext uri="{91240B29-F687-4f45-9708-019B960494DF}">
-              <a14:hiddenLine xmlns:a14="http://schemas.microsoft.com/office/drawing/2010/main" xmlns="" w="9525">
+              <a14:hiddenLine xmlns="" xmlns:a14="http://schemas.microsoft.com/office/drawing/2010/main" w="9525">
                 <a:solidFill>
                   <a:srgbClr val="000000"/>
                 </a:solidFill>
@@ -6471,14 +8459,14 @@
           </a:ln>
           <a:extLst>
             <a:ext uri="{909E8E84-426E-40dd-AFC4-6F175D3DCCD1}">
-              <a14:hiddenFill xmlns:a14="http://schemas.microsoft.com/office/drawing/2010/main" xmlns="">
+              <a14:hiddenFill xmlns="" xmlns:a14="http://schemas.microsoft.com/office/drawing/2010/main">
                 <a:solidFill>
                   <a:srgbClr val="FFFFFF"/>
                 </a:solidFill>
               </a14:hiddenFill>
             </a:ext>
             <a:ext uri="{91240B29-F687-4f45-9708-019B960494DF}">
-              <a14:hiddenLine xmlns:a14="http://schemas.microsoft.com/office/drawing/2010/main" xmlns="" w="9525">
+              <a14:hiddenLine xmlns="" xmlns:a14="http://schemas.microsoft.com/office/drawing/2010/main" w="9525">
                 <a:solidFill>
                   <a:srgbClr val="000000"/>
                 </a:solidFill>
@@ -7036,14 +9024,14 @@
           </a:ln>
           <a:extLst>
             <a:ext uri="{909E8E84-426E-40dd-AFC4-6F175D3DCCD1}">
-              <a14:hiddenFill xmlns:a14="http://schemas.microsoft.com/office/drawing/2010/main" xmlns="">
+              <a14:hiddenFill xmlns="" xmlns:a14="http://schemas.microsoft.com/office/drawing/2010/main">
                 <a:solidFill>
                   <a:srgbClr val="FFFFFF"/>
                 </a:solidFill>
               </a14:hiddenFill>
             </a:ext>
             <a:ext uri="{91240B29-F687-4f45-9708-019B960494DF}">
-              <a14:hiddenLine xmlns:a14="http://schemas.microsoft.com/office/drawing/2010/main" xmlns="" w="9525">
+              <a14:hiddenLine xmlns="" xmlns:a14="http://schemas.microsoft.com/office/drawing/2010/main" w="9525">
                 <a:solidFill>
                   <a:srgbClr val="000000"/>
                 </a:solidFill>
@@ -7610,14 +9598,14 @@
           </a:ln>
           <a:extLst>
             <a:ext uri="{909E8E84-426E-40dd-AFC4-6F175D3DCCD1}">
-              <a14:hiddenFill xmlns:a14="http://schemas.microsoft.com/office/drawing/2010/main" xmlns="">
+              <a14:hiddenFill xmlns="" xmlns:a14="http://schemas.microsoft.com/office/drawing/2010/main">
                 <a:solidFill>
                   <a:srgbClr val="FFFFFF"/>
                 </a:solidFill>
               </a14:hiddenFill>
             </a:ext>
             <a:ext uri="{91240B29-F687-4f45-9708-019B960494DF}">
-              <a14:hiddenLine xmlns:a14="http://schemas.microsoft.com/office/drawing/2010/main" xmlns="" w="9525">
+              <a14:hiddenLine xmlns="" xmlns:a14="http://schemas.microsoft.com/office/drawing/2010/main" w="9525">
                 <a:solidFill>
                   <a:srgbClr val="000000"/>
                 </a:solidFill>
@@ -8557,14 +10545,14 @@
           </a:ln>
           <a:extLst>
             <a:ext uri="{909E8E84-426E-40dd-AFC4-6F175D3DCCD1}">
-              <a14:hiddenFill xmlns:a14="http://schemas.microsoft.com/office/drawing/2010/main" xmlns="">
+              <a14:hiddenFill xmlns="" xmlns:a14="http://schemas.microsoft.com/office/drawing/2010/main">
                 <a:solidFill>
                   <a:srgbClr val="FFFFFF"/>
                 </a:solidFill>
               </a14:hiddenFill>
             </a:ext>
             <a:ext uri="{91240B29-F687-4f45-9708-019B960494DF}">
-              <a14:hiddenLine xmlns:a14="http://schemas.microsoft.com/office/drawing/2010/main" xmlns="" w="9525">
+              <a14:hiddenLine xmlns="" xmlns:a14="http://schemas.microsoft.com/office/drawing/2010/main" w="9525">
                 <a:solidFill>
                   <a:srgbClr val="000000"/>
                 </a:solidFill>
@@ -8644,7 +10632,7 @@
               <a:defRPr/>
             </a:pPr>
             <a:r>
-              <a:rPr lang="en-US" dirty="0">
+              <a:rPr lang="en-US" dirty="0" smtClean="0">
                 <a:solidFill>
                   <a:srgbClr val="7D868C"/>
                 </a:solidFill>
@@ -8655,7 +10643,7 @@
               <a:t>©</a:t>
             </a:r>
             <a:r>
-              <a:rPr lang="en-US" dirty="0" smtClean="0">
+              <a:rPr lang="is-IS" dirty="0" smtClean="0">
                 <a:solidFill>
                   <a:srgbClr val="7D868C"/>
                 </a:solidFill>
@@ -8663,7 +10651,18 @@
                 <a:ea typeface="+mn-ea"/>
                 <a:cs typeface="+mn-cs"/>
               </a:rPr>
-              <a:t>2016 </a:t>
+              <a:t>2017</a:t>
+            </a:r>
+            <a:r>
+              <a:rPr lang="en-US" dirty="0" smtClean="0">
+                <a:solidFill>
+                  <a:srgbClr val="7D868C"/>
+                </a:solidFill>
+                <a:latin typeface="+mn-lt"/>
+                <a:ea typeface="+mn-ea"/>
+                <a:cs typeface="+mn-cs"/>
+              </a:rPr>
+              <a:t> </a:t>
             </a:r>
             <a:r>
               <a:rPr lang="en-US" dirty="0">
@@ -9338,14 +11337,14 @@
           </a:ln>
           <a:extLst>
             <a:ext uri="{909E8E84-426E-40dd-AFC4-6F175D3DCCD1}">
-              <a14:hiddenFill xmlns:a14="http://schemas.microsoft.com/office/drawing/2010/main" xmlns="">
+              <a14:hiddenFill xmlns="" xmlns:a14="http://schemas.microsoft.com/office/drawing/2010/main">
                 <a:solidFill>
                   <a:srgbClr val="FFFFFF"/>
                 </a:solidFill>
               </a14:hiddenFill>
             </a:ext>
             <a:ext uri="{91240B29-F687-4f45-9708-019B960494DF}">
-              <a14:hiddenLine xmlns:a14="http://schemas.microsoft.com/office/drawing/2010/main" xmlns="" w="9525">
+              <a14:hiddenLine xmlns="" xmlns:a14="http://schemas.microsoft.com/office/drawing/2010/main" w="9525">
                 <a:solidFill>
                   <a:srgbClr val="000000"/>
                 </a:solidFill>
@@ -9425,7 +11424,7 @@
               <a:defRPr/>
             </a:pPr>
             <a:r>
-              <a:rPr lang="en-US" dirty="0">
+              <a:rPr lang="en-US" dirty="0" smtClean="0">
                 <a:solidFill>
                   <a:srgbClr val="7D868C"/>
                 </a:solidFill>
@@ -9436,7 +11435,7 @@
               <a:t>©</a:t>
             </a:r>
             <a:r>
-              <a:rPr lang="en-US" dirty="0" smtClean="0">
+              <a:rPr lang="is-IS" dirty="0" smtClean="0">
                 <a:solidFill>
                   <a:srgbClr val="7D868C"/>
                 </a:solidFill>
@@ -9444,7 +11443,18 @@
                 <a:ea typeface="+mn-ea"/>
                 <a:cs typeface="+mn-cs"/>
               </a:rPr>
-              <a:t>2016 </a:t>
+              <a:t>2017</a:t>
+            </a:r>
+            <a:r>
+              <a:rPr lang="en-US" dirty="0" smtClean="0">
+                <a:solidFill>
+                  <a:srgbClr val="7D868C"/>
+                </a:solidFill>
+                <a:latin typeface="+mn-lt"/>
+                <a:ea typeface="+mn-ea"/>
+                <a:cs typeface="+mn-cs"/>
+              </a:rPr>
+              <a:t> </a:t>
             </a:r>
             <a:r>
               <a:rPr lang="en-US" dirty="0">
@@ -12574,119 +14584,119 @@
             <a:r>
               <a:rPr lang="en-US" b="1" u="heavy" dirty="0" smtClean="0">
                 <a:cs typeface="Arial"/>
-                <a:hlinkClick r:id="rId2"/>
+                <a:hlinkClick r:id="rId3"/>
               </a:rPr>
               <a:t>h</a:t>
             </a:r>
             <a:r>
               <a:rPr lang="en-US" b="1" u="heavy" spc="-10" dirty="0" smtClean="0">
                 <a:cs typeface="Arial"/>
-                <a:hlinkClick r:id="rId2"/>
+                <a:hlinkClick r:id="rId3"/>
               </a:rPr>
               <a:t>tt</a:t>
             </a:r>
             <a:r>
               <a:rPr lang="en-US" b="1" u="heavy" dirty="0" smtClean="0">
                 <a:cs typeface="Arial"/>
-                <a:hlinkClick r:id="rId2"/>
+                <a:hlinkClick r:id="rId3"/>
               </a:rPr>
               <a:t>p</a:t>
             </a:r>
             <a:r>
               <a:rPr lang="en-US" b="1" u="heavy" spc="-10" dirty="0">
                 <a:cs typeface="Arial"/>
-                <a:hlinkClick r:id="rId2"/>
+                <a:hlinkClick r:id="rId3"/>
               </a:rPr>
               <a:t>://</a:t>
             </a:r>
             <a:r>
               <a:rPr lang="en-US" b="1" u="heavy" dirty="0">
                 <a:cs typeface="Arial"/>
-                <a:hlinkClick r:id="rId2"/>
+                <a:hlinkClick r:id="rId3"/>
               </a:rPr>
               <a:t>ckb</a:t>
             </a:r>
             <a:r>
               <a:rPr lang="en-US" b="1" u="heavy" spc="-5" dirty="0">
                 <a:cs typeface="Arial"/>
-                <a:hlinkClick r:id="rId2"/>
+                <a:hlinkClick r:id="rId3"/>
               </a:rPr>
               <a:t>k</a:t>
             </a:r>
             <a:r>
               <a:rPr lang="en-US" b="1" u="heavy" spc="-10" dirty="0">
                 <a:cs typeface="Arial"/>
-                <a:hlinkClick r:id="rId2"/>
+                <a:hlinkClick r:id="rId3"/>
               </a:rPr>
               <a:t>.</a:t>
             </a:r>
             <a:r>
               <a:rPr lang="en-US" b="1" u="heavy" dirty="0">
                 <a:cs typeface="Arial"/>
-                <a:hlinkClick r:id="rId2"/>
+                <a:hlinkClick r:id="rId3"/>
               </a:rPr>
               <a:t>i</a:t>
             </a:r>
             <a:r>
               <a:rPr lang="en-US" b="1" u="heavy" spc="-10" dirty="0">
                 <a:cs typeface="Arial"/>
-                <a:hlinkClick r:id="rId2"/>
+                <a:hlinkClick r:id="rId3"/>
               </a:rPr>
               <a:t>t/</a:t>
             </a:r>
             <a:r>
               <a:rPr lang="en-US" b="1" u="heavy" dirty="0">
                 <a:cs typeface="Arial"/>
-                <a:hlinkClick r:id="rId2"/>
+                <a:hlinkClick r:id="rId3"/>
               </a:rPr>
               <a:t>whi</a:t>
             </a:r>
             <a:r>
               <a:rPr lang="en-US" b="1" u="heavy" spc="-10" dirty="0">
                 <a:cs typeface="Arial"/>
-                <a:hlinkClick r:id="rId2"/>
+                <a:hlinkClick r:id="rId3"/>
               </a:rPr>
               <a:t>t</a:t>
             </a:r>
             <a:r>
               <a:rPr lang="en-US" b="1" u="heavy" dirty="0">
                 <a:cs typeface="Arial"/>
-                <a:hlinkClick r:id="rId2"/>
+                <a:hlinkClick r:id="rId3"/>
               </a:rPr>
               <a:t>eli</a:t>
             </a:r>
             <a:r>
               <a:rPr lang="en-US" b="1" u="heavy" spc="-5" dirty="0">
                 <a:cs typeface="Arial"/>
-                <a:hlinkClick r:id="rId2"/>
+                <a:hlinkClick r:id="rId3"/>
               </a:rPr>
               <a:t>s</a:t>
             </a:r>
             <a:r>
               <a:rPr lang="en-US" b="1" u="heavy" spc="-10" dirty="0">
                 <a:cs typeface="Arial"/>
-                <a:hlinkClick r:id="rId2"/>
+                <a:hlinkClick r:id="rId3"/>
               </a:rPr>
               <a:t>t</a:t>
             </a:r>
             <a:r>
               <a:rPr lang="en-US" b="1" u="heavy" dirty="0">
                 <a:cs typeface="Arial"/>
-                <a:hlinkClick r:id="rId2"/>
+                <a:hlinkClick r:id="rId3"/>
               </a:rPr>
               <a:t>-node-a</a:t>
             </a:r>
             <a:r>
               <a:rPr lang="en-US" b="1" u="heavy" spc="-10" dirty="0">
                 <a:cs typeface="Arial"/>
-                <a:hlinkClick r:id="rId2"/>
+                <a:hlinkClick r:id="rId3"/>
               </a:rPr>
               <a:t>tt</a:t>
             </a:r>
             <a:r>
               <a:rPr lang="en-US" b="1" u="heavy" dirty="0">
                 <a:cs typeface="Arial"/>
-                <a:hlinkClick r:id="rId2"/>
+                <a:hlinkClick r:id="rId3"/>
               </a:rPr>
               <a:t>rs</a:t>
             </a:r>
@@ -12812,7 +14822,6 @@
               <a:rPr lang="en-US" dirty="0" smtClean="0"/>
               <a:t>hints</a:t>
             </a:r>
-            <a:endParaRPr lang="en-US" dirty="0" smtClean="0"/>
           </a:p>
           <a:p>
             <a:pPr marL="457200" indent="-457200">
@@ -12821,17 +14830,8 @@
             </a:pPr>
             <a:r>
               <a:rPr lang="en-US" dirty="0" smtClean="0"/>
-              <a:t>Describe how to remove plugins </a:t>
-            </a:r>
-            <a:r>
-              <a:rPr lang="en-US" dirty="0" smtClean="0"/>
-              <a:t>that you do not want </a:t>
-            </a:r>
-            <a:r>
-              <a:rPr lang="en-US" dirty="0" smtClean="0"/>
-              <a:t>executed</a:t>
-            </a:r>
-            <a:endParaRPr lang="en-US" dirty="0" smtClean="0"/>
+              <a:t>Describe how to remove plugins that you do not want executed</a:t>
+            </a:r>
           </a:p>
           <a:p>
             <a:pPr marL="457200" indent="-457200">
@@ -12848,11 +14848,7 @@
             </a:r>
             <a:r>
               <a:rPr lang="en-US" dirty="0" smtClean="0"/>
-              <a:t> </a:t>
-            </a:r>
-            <a:r>
-              <a:rPr lang="en-US" dirty="0" smtClean="0"/>
-              <a:t>performance</a:t>
+              <a:t> performance</a:t>
             </a:r>
           </a:p>
         </p:txBody>
